--- a/AppScontrini.pptx
+++ b/AppScontrini.pptx
@@ -4,12 +4,15 @@
   <p:sldMasterIdLst>
     <p:sldMasterId id="2147483648" r:id="rId1"/>
   </p:sldMasterIdLst>
+  <p:notesMasterIdLst>
+    <p:notesMasterId r:id="rId7"/>
+  </p:notesMasterIdLst>
   <p:sldIdLst>
     <p:sldId id="256" r:id="rId2"/>
     <p:sldId id="258" r:id="rId3"/>
-    <p:sldId id="259" r:id="rId4"/>
-    <p:sldId id="260" r:id="rId5"/>
-    <p:sldId id="261" r:id="rId6"/>
+    <p:sldId id="261" r:id="rId4"/>
+    <p:sldId id="266" r:id="rId5"/>
+    <p:sldId id="267" r:id="rId6"/>
   </p:sldIdLst>
   <p:sldSz cx="12192000" cy="6858000"/>
   <p:notesSz cx="6858000" cy="9144000"/>
@@ -108,7 +111,362 @@
       </a:defRPr>
     </a:lvl9pPr>
   </p:defaultTextStyle>
+  <p:extLst>
+    <p:ext uri="{EFAFB233-063F-42B5-8137-9DF3F51BA10A}">
+      <p15:sldGuideLst xmlns:p15="http://schemas.microsoft.com/office/powerpoint/2012/main"/>
+    </p:ext>
+  </p:extLst>
 </p:presentation>
+</file>
+
+<file path=ppt/notesMasters/notesMaster1.xml><?xml version="1.0" encoding="utf-8"?>
+<p:notesMaster xmlns:a="http://schemas.openxmlformats.org/drawingml/2006/main" xmlns:r="http://schemas.openxmlformats.org/officeDocument/2006/relationships" xmlns:p="http://schemas.openxmlformats.org/presentationml/2006/main">
+  <p:cSld>
+    <p:bg>
+      <p:bgRef idx="1001">
+        <a:schemeClr val="bg1"/>
+      </p:bgRef>
+    </p:bg>
+    <p:spTree>
+      <p:nvGrpSpPr>
+        <p:cNvPr id="1" name=""/>
+        <p:cNvGrpSpPr/>
+        <p:nvPr/>
+      </p:nvGrpSpPr>
+      <p:grpSpPr>
+        <a:xfrm>
+          <a:off x="0" y="0"/>
+          <a:ext cx="0" cy="0"/>
+          <a:chOff x="0" y="0"/>
+          <a:chExt cx="0" cy="0"/>
+        </a:xfrm>
+      </p:grpSpPr>
+      <p:sp>
+        <p:nvSpPr>
+          <p:cNvPr id="2" name="Segnaposto intestazione 1"/>
+          <p:cNvSpPr>
+            <a:spLocks noGrp="1"/>
+          </p:cNvSpPr>
+          <p:nvPr>
+            <p:ph type="hdr" sz="quarter"/>
+          </p:nvPr>
+        </p:nvSpPr>
+        <p:spPr>
+          <a:xfrm>
+            <a:off x="0" y="0"/>
+            <a:ext cx="2971800" cy="458788"/>
+          </a:xfrm>
+          <a:prstGeom prst="rect">
+            <a:avLst/>
+          </a:prstGeom>
+        </p:spPr>
+        <p:txBody>
+          <a:bodyPr vert="horz" lIns="91440" tIns="45720" rIns="91440" bIns="45720" rtlCol="0"/>
+          <a:lstStyle>
+            <a:lvl1pPr algn="l">
+              <a:defRPr sz="1200"/>
+            </a:lvl1pPr>
+          </a:lstStyle>
+          <a:p>
+            <a:endParaRPr lang="it-IT"/>
+          </a:p>
+        </p:txBody>
+      </p:sp>
+      <p:sp>
+        <p:nvSpPr>
+          <p:cNvPr id="3" name="Segnaposto data 2"/>
+          <p:cNvSpPr>
+            <a:spLocks noGrp="1"/>
+          </p:cNvSpPr>
+          <p:nvPr>
+            <p:ph type="dt" idx="1"/>
+          </p:nvPr>
+        </p:nvSpPr>
+        <p:spPr>
+          <a:xfrm>
+            <a:off x="3884613" y="0"/>
+            <a:ext cx="2971800" cy="458788"/>
+          </a:xfrm>
+          <a:prstGeom prst="rect">
+            <a:avLst/>
+          </a:prstGeom>
+        </p:spPr>
+        <p:txBody>
+          <a:bodyPr vert="horz" lIns="91440" tIns="45720" rIns="91440" bIns="45720" rtlCol="0"/>
+          <a:lstStyle>
+            <a:lvl1pPr algn="r">
+              <a:defRPr sz="1200"/>
+            </a:lvl1pPr>
+          </a:lstStyle>
+          <a:p>
+            <a:fld id="{4873B60A-5799-7E4B-880C-CAE98F74128C}" type="datetimeFigureOut">
+              <a:rPr lang="it-IT" smtClean="0"/>
+              <a:t>17/10/17</a:t>
+            </a:fld>
+            <a:endParaRPr lang="it-IT"/>
+          </a:p>
+        </p:txBody>
+      </p:sp>
+      <p:sp>
+        <p:nvSpPr>
+          <p:cNvPr id="4" name="Segnaposto immagine diapositiva 3"/>
+          <p:cNvSpPr>
+            <a:spLocks noGrp="1" noRot="1" noChangeAspect="1"/>
+          </p:cNvSpPr>
+          <p:nvPr>
+            <p:ph type="sldImg" idx="2"/>
+          </p:nvPr>
+        </p:nvSpPr>
+        <p:spPr>
+          <a:xfrm>
+            <a:off x="685800" y="1143000"/>
+            <a:ext cx="5486400" cy="3086100"/>
+          </a:xfrm>
+          <a:prstGeom prst="rect">
+            <a:avLst/>
+          </a:prstGeom>
+          <a:noFill/>
+          <a:ln w="12700">
+            <a:solidFill>
+              <a:prstClr val="black"/>
+            </a:solidFill>
+          </a:ln>
+        </p:spPr>
+        <p:txBody>
+          <a:bodyPr vert="horz" lIns="91440" tIns="45720" rIns="91440" bIns="45720" rtlCol="0" anchor="ctr"/>
+          <a:lstStyle/>
+          <a:p>
+            <a:endParaRPr lang="it-IT"/>
+          </a:p>
+        </p:txBody>
+      </p:sp>
+      <p:sp>
+        <p:nvSpPr>
+          <p:cNvPr id="5" name="Segnaposto note 4"/>
+          <p:cNvSpPr>
+            <a:spLocks noGrp="1"/>
+          </p:cNvSpPr>
+          <p:nvPr>
+            <p:ph type="body" sz="quarter" idx="3"/>
+          </p:nvPr>
+        </p:nvSpPr>
+        <p:spPr>
+          <a:xfrm>
+            <a:off x="685800" y="4400550"/>
+            <a:ext cx="5486400" cy="3600450"/>
+          </a:xfrm>
+          <a:prstGeom prst="rect">
+            <a:avLst/>
+          </a:prstGeom>
+        </p:spPr>
+        <p:txBody>
+          <a:bodyPr vert="horz" lIns="91440" tIns="45720" rIns="91440" bIns="45720" rtlCol="0"/>
+          <a:lstStyle/>
+          <a:p>
+            <a:pPr lvl="0"/>
+            <a:r>
+              <a:rPr lang="it-IT" smtClean="0"/>
+              <a:t>Fare clic per modificare gli stili del testo dello schema</a:t>
+            </a:r>
+          </a:p>
+          <a:p>
+            <a:pPr lvl="1"/>
+            <a:r>
+              <a:rPr lang="it-IT" smtClean="0"/>
+              <a:t>Secondo livello</a:t>
+            </a:r>
+          </a:p>
+          <a:p>
+            <a:pPr lvl="2"/>
+            <a:r>
+              <a:rPr lang="it-IT" smtClean="0"/>
+              <a:t>Terzo livello</a:t>
+            </a:r>
+          </a:p>
+          <a:p>
+            <a:pPr lvl="3"/>
+            <a:r>
+              <a:rPr lang="it-IT" smtClean="0"/>
+              <a:t>Quarto livello</a:t>
+            </a:r>
+          </a:p>
+          <a:p>
+            <a:pPr lvl="4"/>
+            <a:r>
+              <a:rPr lang="it-IT" smtClean="0"/>
+              <a:t>Quinto livello</a:t>
+            </a:r>
+            <a:endParaRPr lang="it-IT"/>
+          </a:p>
+        </p:txBody>
+      </p:sp>
+      <p:sp>
+        <p:nvSpPr>
+          <p:cNvPr id="6" name="Segnaposto piè di pagina 5"/>
+          <p:cNvSpPr>
+            <a:spLocks noGrp="1"/>
+          </p:cNvSpPr>
+          <p:nvPr>
+            <p:ph type="ftr" sz="quarter" idx="4"/>
+          </p:nvPr>
+        </p:nvSpPr>
+        <p:spPr>
+          <a:xfrm>
+            <a:off x="0" y="8685213"/>
+            <a:ext cx="2971800" cy="458787"/>
+          </a:xfrm>
+          <a:prstGeom prst="rect">
+            <a:avLst/>
+          </a:prstGeom>
+        </p:spPr>
+        <p:txBody>
+          <a:bodyPr vert="horz" lIns="91440" tIns="45720" rIns="91440" bIns="45720" rtlCol="0" anchor="b"/>
+          <a:lstStyle>
+            <a:lvl1pPr algn="l">
+              <a:defRPr sz="1200"/>
+            </a:lvl1pPr>
+          </a:lstStyle>
+          <a:p>
+            <a:endParaRPr lang="it-IT"/>
+          </a:p>
+        </p:txBody>
+      </p:sp>
+      <p:sp>
+        <p:nvSpPr>
+          <p:cNvPr id="7" name="Segnaposto numero diapositiva 6"/>
+          <p:cNvSpPr>
+            <a:spLocks noGrp="1"/>
+          </p:cNvSpPr>
+          <p:nvPr>
+            <p:ph type="sldNum" sz="quarter" idx="5"/>
+          </p:nvPr>
+        </p:nvSpPr>
+        <p:spPr>
+          <a:xfrm>
+            <a:off x="3884613" y="8685213"/>
+            <a:ext cx="2971800" cy="458787"/>
+          </a:xfrm>
+          <a:prstGeom prst="rect">
+            <a:avLst/>
+          </a:prstGeom>
+        </p:spPr>
+        <p:txBody>
+          <a:bodyPr vert="horz" lIns="91440" tIns="45720" rIns="91440" bIns="45720" rtlCol="0" anchor="b"/>
+          <a:lstStyle>
+            <a:lvl1pPr algn="r">
+              <a:defRPr sz="1200"/>
+            </a:lvl1pPr>
+          </a:lstStyle>
+          <a:p>
+            <a:fld id="{10DA21B0-5E9F-DE4D-B06F-753A5D1D6DA4}" type="slidenum">
+              <a:rPr lang="it-IT" smtClean="0"/>
+              <a:t>‹n.›</a:t>
+            </a:fld>
+            <a:endParaRPr lang="it-IT"/>
+          </a:p>
+        </p:txBody>
+      </p:sp>
+    </p:spTree>
+    <p:extLst>
+      <p:ext uri="{BB962C8B-B14F-4D97-AF65-F5344CB8AC3E}">
+        <p14:creationId xmlns:p14="http://schemas.microsoft.com/office/powerpoint/2010/main" val="219374356"/>
+      </p:ext>
+    </p:extLst>
+  </p:cSld>
+  <p:clrMap bg1="lt1" tx1="dk1" bg2="lt2" tx2="dk2" accent1="accent1" accent2="accent2" accent3="accent3" accent4="accent4" accent5="accent5" accent6="accent6" hlink="hlink" folHlink="folHlink"/>
+  <p:notesStyle>
+    <a:lvl1pPr marL="0" algn="l" defTabSz="914400" rtl="0" eaLnBrk="1" latinLnBrk="0" hangingPunct="1">
+      <a:defRPr sz="1200" kern="1200">
+        <a:solidFill>
+          <a:schemeClr val="tx1"/>
+        </a:solidFill>
+        <a:latin typeface="+mn-lt"/>
+        <a:ea typeface="+mn-ea"/>
+        <a:cs typeface="+mn-cs"/>
+      </a:defRPr>
+    </a:lvl1pPr>
+    <a:lvl2pPr marL="457200" algn="l" defTabSz="914400" rtl="0" eaLnBrk="1" latinLnBrk="0" hangingPunct="1">
+      <a:defRPr sz="1200" kern="1200">
+        <a:solidFill>
+          <a:schemeClr val="tx1"/>
+        </a:solidFill>
+        <a:latin typeface="+mn-lt"/>
+        <a:ea typeface="+mn-ea"/>
+        <a:cs typeface="+mn-cs"/>
+      </a:defRPr>
+    </a:lvl2pPr>
+    <a:lvl3pPr marL="914400" algn="l" defTabSz="914400" rtl="0" eaLnBrk="1" latinLnBrk="0" hangingPunct="1">
+      <a:defRPr sz="1200" kern="1200">
+        <a:solidFill>
+          <a:schemeClr val="tx1"/>
+        </a:solidFill>
+        <a:latin typeface="+mn-lt"/>
+        <a:ea typeface="+mn-ea"/>
+        <a:cs typeface="+mn-cs"/>
+      </a:defRPr>
+    </a:lvl3pPr>
+    <a:lvl4pPr marL="1371600" algn="l" defTabSz="914400" rtl="0" eaLnBrk="1" latinLnBrk="0" hangingPunct="1">
+      <a:defRPr sz="1200" kern="1200">
+        <a:solidFill>
+          <a:schemeClr val="tx1"/>
+        </a:solidFill>
+        <a:latin typeface="+mn-lt"/>
+        <a:ea typeface="+mn-ea"/>
+        <a:cs typeface="+mn-cs"/>
+      </a:defRPr>
+    </a:lvl4pPr>
+    <a:lvl5pPr marL="1828800" algn="l" defTabSz="914400" rtl="0" eaLnBrk="1" latinLnBrk="0" hangingPunct="1">
+      <a:defRPr sz="1200" kern="1200">
+        <a:solidFill>
+          <a:schemeClr val="tx1"/>
+        </a:solidFill>
+        <a:latin typeface="+mn-lt"/>
+        <a:ea typeface="+mn-ea"/>
+        <a:cs typeface="+mn-cs"/>
+      </a:defRPr>
+    </a:lvl5pPr>
+    <a:lvl6pPr marL="2286000" algn="l" defTabSz="914400" rtl="0" eaLnBrk="1" latinLnBrk="0" hangingPunct="1">
+      <a:defRPr sz="1200" kern="1200">
+        <a:solidFill>
+          <a:schemeClr val="tx1"/>
+        </a:solidFill>
+        <a:latin typeface="+mn-lt"/>
+        <a:ea typeface="+mn-ea"/>
+        <a:cs typeface="+mn-cs"/>
+      </a:defRPr>
+    </a:lvl6pPr>
+    <a:lvl7pPr marL="2743200" algn="l" defTabSz="914400" rtl="0" eaLnBrk="1" latinLnBrk="0" hangingPunct="1">
+      <a:defRPr sz="1200" kern="1200">
+        <a:solidFill>
+          <a:schemeClr val="tx1"/>
+        </a:solidFill>
+        <a:latin typeface="+mn-lt"/>
+        <a:ea typeface="+mn-ea"/>
+        <a:cs typeface="+mn-cs"/>
+      </a:defRPr>
+    </a:lvl7pPr>
+    <a:lvl8pPr marL="3200400" algn="l" defTabSz="914400" rtl="0" eaLnBrk="1" latinLnBrk="0" hangingPunct="1">
+      <a:defRPr sz="1200" kern="1200">
+        <a:solidFill>
+          <a:schemeClr val="tx1"/>
+        </a:solidFill>
+        <a:latin typeface="+mn-lt"/>
+        <a:ea typeface="+mn-ea"/>
+        <a:cs typeface="+mn-cs"/>
+      </a:defRPr>
+    </a:lvl8pPr>
+    <a:lvl9pPr marL="3657600" algn="l" defTabSz="914400" rtl="0" eaLnBrk="1" latinLnBrk="0" hangingPunct="1">
+      <a:defRPr sz="1200" kern="1200">
+        <a:solidFill>
+          <a:schemeClr val="tx1"/>
+        </a:solidFill>
+        <a:latin typeface="+mn-lt"/>
+        <a:ea typeface="+mn-ea"/>
+        <a:cs typeface="+mn-cs"/>
+      </a:defRPr>
+    </a:lvl9pPr>
+  </p:notesStyle>
+</p:notesMaster>
 </file>
 
 <file path=ppt/slideLayouts/slideLayout1.xml><?xml version="1.0" encoding="utf-8"?>
@@ -325,7 +683,7 @@
             <a:fld id="{B61BEF0D-F0BB-DE4B-95CE-6DB70DBA9567}" type="datetimeFigureOut">
               <a:rPr lang="en-US" dirty="0"/>
               <a:pPr/>
-              <a:t>10/13/17</a:t>
+              <a:t>10/17/17</a:t>
             </a:fld>
             <a:endParaRPr lang="en-US" dirty="0"/>
           </a:p>
@@ -613,7 +971,7 @@
             <a:fld id="{B61BEF0D-F0BB-DE4B-95CE-6DB70DBA9567}" type="datetimeFigureOut">
               <a:rPr lang="en-US" dirty="0"/>
               <a:pPr/>
-              <a:t>10/13/17</a:t>
+              <a:t>10/17/17</a:t>
             </a:fld>
             <a:endParaRPr lang="en-US" dirty="0"/>
           </a:p>
@@ -869,7 +1227,7 @@
             <a:fld id="{B61BEF0D-F0BB-DE4B-95CE-6DB70DBA9567}" type="datetimeFigureOut">
               <a:rPr lang="en-US" dirty="0"/>
               <a:pPr/>
-              <a:t>10/13/17</a:t>
+              <a:t>10/17/17</a:t>
             </a:fld>
             <a:endParaRPr lang="en-US" dirty="0"/>
           </a:p>
@@ -1335,7 +1693,7 @@
             <a:fld id="{B61BEF0D-F0BB-DE4B-95CE-6DB70DBA9567}" type="datetimeFigureOut">
               <a:rPr lang="en-US" dirty="0"/>
               <a:pPr/>
-              <a:t>10/13/17</a:t>
+              <a:t>10/17/17</a:t>
             </a:fld>
             <a:endParaRPr lang="en-US" dirty="0"/>
           </a:p>
@@ -1512,7 +1870,7 @@
             <a:fld id="{B61BEF0D-F0BB-DE4B-95CE-6DB70DBA9567}" type="datetimeFigureOut">
               <a:rPr lang="en-US" dirty="0"/>
               <a:pPr/>
-              <a:t>10/13/17</a:t>
+              <a:t>10/17/17</a:t>
             </a:fld>
             <a:endParaRPr lang="en-US" dirty="0"/>
           </a:p>
@@ -2085,7 +2443,7 @@
             <a:fld id="{B61BEF0D-F0BB-DE4B-95CE-6DB70DBA9567}" type="datetimeFigureOut">
               <a:rPr lang="en-US" dirty="0"/>
               <a:pPr/>
-              <a:t>10/13/17</a:t>
+              <a:t>10/17/17</a:t>
             </a:fld>
             <a:endParaRPr lang="en-US" dirty="0"/>
           </a:p>
@@ -2414,7 +2772,7 @@
             <a:fld id="{B61BEF0D-F0BB-DE4B-95CE-6DB70DBA9567}" type="datetimeFigureOut">
               <a:rPr lang="en-US" dirty="0"/>
               <a:pPr/>
-              <a:t>10/13/17</a:t>
+              <a:t>10/17/17</a:t>
             </a:fld>
             <a:endParaRPr lang="en-US" dirty="0"/>
           </a:p>
@@ -2586,7 +2944,7 @@
             <a:fld id="{B61BEF0D-F0BB-DE4B-95CE-6DB70DBA9567}" type="datetimeFigureOut">
               <a:rPr lang="en-US" dirty="0"/>
               <a:pPr/>
-              <a:t>10/13/17</a:t>
+              <a:t>10/17/17</a:t>
             </a:fld>
             <a:endParaRPr lang="en-US" dirty="0"/>
           </a:p>
@@ -2763,7 +3121,7 @@
             <a:fld id="{B61BEF0D-F0BB-DE4B-95CE-6DB70DBA9567}" type="datetimeFigureOut">
               <a:rPr lang="en-US" dirty="0"/>
               <a:pPr/>
-              <a:t>10/13/17</a:t>
+              <a:t>10/17/17</a:t>
             </a:fld>
             <a:endParaRPr lang="en-US" dirty="0"/>
           </a:p>
@@ -2930,7 +3288,7 @@
             <a:fld id="{B61BEF0D-F0BB-DE4B-95CE-6DB70DBA9567}" type="datetimeFigureOut">
               <a:rPr lang="en-US" dirty="0"/>
               <a:pPr/>
-              <a:t>10/13/17</a:t>
+              <a:t>10/17/17</a:t>
             </a:fld>
             <a:endParaRPr lang="en-US" dirty="0"/>
           </a:p>
@@ -3184,7 +3542,7 @@
             <a:fld id="{B61BEF0D-F0BB-DE4B-95CE-6DB70DBA9567}" type="datetimeFigureOut">
               <a:rPr lang="en-US" dirty="0"/>
               <a:pPr/>
-              <a:t>10/13/17</a:t>
+              <a:t>10/17/17</a:t>
             </a:fld>
             <a:endParaRPr lang="en-US" dirty="0"/>
           </a:p>
@@ -3473,7 +3831,7 @@
             <a:fld id="{B61BEF0D-F0BB-DE4B-95CE-6DB70DBA9567}" type="datetimeFigureOut">
               <a:rPr lang="en-US" dirty="0"/>
               <a:pPr/>
-              <a:t>10/13/17</a:t>
+              <a:t>10/17/17</a:t>
             </a:fld>
             <a:endParaRPr lang="en-US" dirty="0"/>
           </a:p>
@@ -3900,7 +4258,7 @@
             <a:fld id="{B61BEF0D-F0BB-DE4B-95CE-6DB70DBA9567}" type="datetimeFigureOut">
               <a:rPr lang="en-US" dirty="0"/>
               <a:pPr/>
-              <a:t>10/13/17</a:t>
+              <a:t>10/17/17</a:t>
             </a:fld>
             <a:endParaRPr lang="en-US" dirty="0"/>
           </a:p>
@@ -4015,7 +4373,7 @@
             <a:fld id="{B61BEF0D-F0BB-DE4B-95CE-6DB70DBA9567}" type="datetimeFigureOut">
               <a:rPr lang="en-US" dirty="0"/>
               <a:pPr/>
-              <a:t>10/13/17</a:t>
+              <a:t>10/17/17</a:t>
             </a:fld>
             <a:endParaRPr lang="en-US" dirty="0"/>
           </a:p>
@@ -4107,7 +4465,7 @@
             <a:fld id="{B61BEF0D-F0BB-DE4B-95CE-6DB70DBA9567}" type="datetimeFigureOut">
               <a:rPr lang="en-US" dirty="0"/>
               <a:pPr/>
-              <a:t>10/13/17</a:t>
+              <a:t>10/17/17</a:t>
             </a:fld>
             <a:endParaRPr lang="en-US" dirty="0"/>
           </a:p>
@@ -4387,7 +4745,7 @@
             <a:fld id="{B61BEF0D-F0BB-DE4B-95CE-6DB70DBA9567}" type="datetimeFigureOut">
               <a:rPr lang="en-US" dirty="0"/>
               <a:pPr/>
-              <a:t>10/13/17</a:t>
+              <a:t>10/17/17</a:t>
             </a:fld>
             <a:endParaRPr lang="en-US" dirty="0"/>
           </a:p>
@@ -4675,7 +5033,7 @@
             <a:fld id="{B61BEF0D-F0BB-DE4B-95CE-6DB70DBA9567}" type="datetimeFigureOut">
               <a:rPr lang="en-US" dirty="0"/>
               <a:pPr/>
-              <a:t>10/13/17</a:t>
+              <a:t>10/17/17</a:t>
             </a:fld>
             <a:endParaRPr lang="en-US" dirty="0"/>
           </a:p>
@@ -4903,7 +5261,7 @@
             <a:fld id="{B61BEF0D-F0BB-DE4B-95CE-6DB70DBA9567}" type="datetimeFigureOut">
               <a:rPr lang="en-US" dirty="0"/>
               <a:pPr/>
-              <a:t>10/13/17</a:t>
+              <a:t>10/17/17</a:t>
             </a:fld>
             <a:endParaRPr lang="en-US" dirty="0"/>
           </a:p>
@@ -5684,8 +6042,12 @@
           <a:lstStyle/>
           <a:p>
             <a:r>
-              <a:rPr lang="it-IT" dirty="0" smtClean="0"/>
-              <a:t>Spaventapasseri</a:t>
+              <a:rPr lang="it-IT" dirty="0" err="1"/>
+              <a:t>S</a:t>
+            </a:r>
+            <a:r>
+              <a:rPr lang="it-IT" dirty="0" err="1" smtClean="0"/>
+              <a:t>contrApp</a:t>
             </a:r>
             <a:endParaRPr lang="it-IT" dirty="0"/>
           </a:p>
@@ -5707,12 +6069,29 @@
           <a:lstStyle/>
           <a:p>
             <a:r>
+              <a:rPr lang="it-IT" dirty="0" smtClean="0"/>
+              <a:t>L’app</a:t>
+            </a:r>
+            <a:r>
+              <a:rPr lang="it-IT" dirty="0" smtClean="0"/>
+              <a:t>licazione che salva i vostri scontrini</a:t>
+            </a:r>
+          </a:p>
+          <a:p>
+            <a:endParaRPr lang="it-IT" dirty="0"/>
+          </a:p>
+          <a:p>
+            <a:r>
               <a:rPr lang="it-IT" dirty="0" err="1" smtClean="0"/>
               <a:t>Developed</a:t>
             </a:r>
             <a:r>
               <a:rPr lang="it-IT" dirty="0" smtClean="0"/>
-              <a:t> by </a:t>
+              <a:t> </a:t>
+            </a:r>
+            <a:r>
+              <a:rPr lang="it-IT" dirty="0" smtClean="0"/>
+              <a:t>by </a:t>
             </a:r>
             <a:r>
               <a:rPr lang="it-IT" dirty="0" err="1" smtClean="0"/>
@@ -5722,6 +6101,39 @@
           </a:p>
         </p:txBody>
       </p:sp>
+      <p:pic>
+        <p:nvPicPr>
+          <p:cNvPr id="4" name="Immagine 3"/>
+          <p:cNvPicPr>
+            <a:picLocks noChangeAspect="1"/>
+          </p:cNvPicPr>
+          <p:nvPr/>
+        </p:nvPicPr>
+        <p:blipFill>
+          <a:blip r:embed="rId2">
+            <a:extLst>
+              <a:ext uri="{28A0092B-C50C-407E-A947-70E740481C1C}">
+                <a14:useLocalDpi xmlns:a14="http://schemas.microsoft.com/office/drawing/2010/main" val="0"/>
+              </a:ext>
+            </a:extLst>
+          </a:blip>
+          <a:stretch>
+            <a:fillRect/>
+          </a:stretch>
+        </p:blipFill>
+        <p:spPr>
+          <a:xfrm>
+            <a:off x="5001458" y="1231190"/>
+            <a:ext cx="2022929" cy="1744607"/>
+          </a:xfrm>
+          <a:prstGeom prst="rect">
+            <a:avLst/>
+          </a:prstGeom>
+          <a:effectLst>
+            <a:softEdge rad="88900"/>
+          </a:effectLst>
+        </p:spPr>
+      </p:pic>
     </p:spTree>
     <p:extLst>
       <p:ext uri="{BB962C8B-B14F-4D97-AF65-F5344CB8AC3E}">
@@ -5732,6 +6144,13 @@
   <p:clrMapOvr>
     <a:masterClrMapping/>
   </p:clrMapOvr>
+  <p:timing>
+    <p:tnLst>
+      <p:par>
+        <p:cTn id="1" dur="indefinite" restart="never" nodeType="tmRoot"/>
+      </p:par>
+    </p:tnLst>
+  </p:timing>
 </p:sld>
 </file>
 
@@ -5754,51 +6173,97 @@
       </p:grpSpPr>
       <p:sp>
         <p:nvSpPr>
-          <p:cNvPr id="2" name="Titolo 1"/>
-          <p:cNvSpPr>
-            <a:spLocks noGrp="1"/>
-          </p:cNvSpPr>
-          <p:nvPr>
-            <p:ph type="title"/>
-          </p:nvPr>
-        </p:nvSpPr>
-        <p:spPr/>
-        <p:txBody>
-          <a:bodyPr/>
+          <p:cNvPr id="6" name="Rettangolo 5"/>
+          <p:cNvSpPr/>
+          <p:nvPr/>
+        </p:nvSpPr>
+        <p:spPr>
+          <a:xfrm>
+            <a:off x="1506071" y="2220723"/>
+            <a:ext cx="9167064" cy="1815882"/>
+          </a:xfrm>
+          <a:prstGeom prst="rect">
+            <a:avLst/>
+          </a:prstGeom>
+        </p:spPr>
+        <p:txBody>
+          <a:bodyPr wrap="square">
+            <a:spAutoFit/>
+          </a:bodyPr>
           <a:lstStyle/>
           <a:p>
-            <a:r>
-              <a:rPr lang="it-IT" dirty="0" smtClean="0"/>
-              <a:t>Scopo</a:t>
-            </a:r>
-            <a:endParaRPr lang="it-IT" dirty="0"/>
-          </a:p>
-        </p:txBody>
-      </p:sp>
-      <p:sp>
-        <p:nvSpPr>
-          <p:cNvPr id="3" name="Segnaposto contenuto 2"/>
-          <p:cNvSpPr>
-            <a:spLocks noGrp="1"/>
-          </p:cNvSpPr>
-          <p:nvPr>
-            <p:ph idx="1"/>
-          </p:nvPr>
-        </p:nvSpPr>
-        <p:spPr/>
-        <p:txBody>
-          <a:bodyPr/>
+            <a:pPr algn="ctr"/>
+            <a:r>
+              <a:rPr lang="it-IT" sz="2800" dirty="0"/>
+              <a:t>Se un giorno vi capitasse di perdere lo scontrino della garanzia </a:t>
+            </a:r>
+            <a:r>
+              <a:rPr lang="it-IT" sz="2800" dirty="0" smtClean="0"/>
+              <a:t>dell’elettrodomestico </a:t>
+            </a:r>
+            <a:r>
+              <a:rPr lang="it-IT" sz="2800" dirty="0"/>
+              <a:t>che si è guastato, vi toccherebbe pagare l’intera cifra della riparazione.</a:t>
+            </a:r>
+          </a:p>
+        </p:txBody>
+      </p:sp>
+      <p:sp>
+        <p:nvSpPr>
+          <p:cNvPr id="7" name="Rettangolo 6"/>
+          <p:cNvSpPr/>
+          <p:nvPr/>
+        </p:nvSpPr>
+        <p:spPr>
+          <a:xfrm>
+            <a:off x="1730514" y="1943724"/>
+            <a:ext cx="8718177" cy="2369880"/>
+          </a:xfrm>
+          <a:prstGeom prst="rect">
+            <a:avLst/>
+          </a:prstGeom>
+        </p:spPr>
+        <p:txBody>
+          <a:bodyPr wrap="square">
+            <a:spAutoFit/>
+          </a:bodyPr>
           <a:lstStyle/>
           <a:p>
-            <a:r>
-              <a:rPr lang="it-IT" dirty="0" smtClean="0"/>
-              <a:t>Memorizzare ed ordinare gli scontrini </a:t>
-            </a:r>
-            <a:r>
-              <a:rPr lang="it-IT" smtClean="0"/>
-              <a:t>secondo indicazione del cliente</a:t>
-            </a:r>
-            <a:endParaRPr lang="it-IT" dirty="0"/>
+            <a:pPr algn="ctr"/>
+            <a:r>
+              <a:rPr lang="it-IT" sz="3600" dirty="0"/>
+              <a:t>Grazie </a:t>
+            </a:r>
+            <a:r>
+              <a:rPr lang="it-IT" sz="3600" dirty="0" smtClean="0"/>
+              <a:t>a</a:t>
+            </a:r>
+          </a:p>
+          <a:p>
+            <a:pPr algn="ctr"/>
+            <a:r>
+              <a:rPr lang="it-IT" sz="4000" b="1" dirty="0" smtClean="0"/>
+              <a:t> </a:t>
+            </a:r>
+            <a:r>
+              <a:rPr lang="it-IT" sz="4000" b="1" dirty="0" err="1" smtClean="0"/>
+              <a:t>ScontrApp</a:t>
+            </a:r>
+            <a:r>
+              <a:rPr lang="it-IT" sz="4000" b="1" dirty="0" smtClean="0"/>
+              <a:t> </a:t>
+            </a:r>
+          </a:p>
+          <a:p>
+            <a:pPr algn="ctr"/>
+            <a:r>
+              <a:rPr lang="it-IT" sz="3600" dirty="0" smtClean="0"/>
+              <a:t>non </a:t>
+            </a:r>
+            <a:r>
+              <a:rPr lang="it-IT" sz="3600" dirty="0"/>
+              <a:t>avrete più paura di smarrire gli scontrini.</a:t>
+            </a:r>
           </a:p>
         </p:txBody>
       </p:sp>
@@ -5812,6 +6277,238 @@
   <p:clrMapOvr>
     <a:masterClrMapping/>
   </p:clrMapOvr>
+  <p:timing>
+    <p:tnLst>
+      <p:par>
+        <p:cTn id="1" dur="indefinite" restart="never" nodeType="tmRoot">
+          <p:childTnLst>
+            <p:seq concurrent="1" nextAc="seek">
+              <p:cTn id="2" dur="indefinite" nodeType="mainSeq">
+                <p:childTnLst>
+                  <p:par>
+                    <p:cTn id="3" fill="hold">
+                      <p:stCondLst>
+                        <p:cond delay="indefinite"/>
+                      </p:stCondLst>
+                      <p:childTnLst>
+                        <p:par>
+                          <p:cTn id="4" fill="hold">
+                            <p:stCondLst>
+                              <p:cond delay="0"/>
+                            </p:stCondLst>
+                            <p:childTnLst>
+                              <p:par>
+                                <p:cTn id="5" presetID="5" presetClass="entr" presetSubtype="10" fill="hold" grpId="2" nodeType="clickEffect">
+                                  <p:stCondLst>
+                                    <p:cond delay="0"/>
+                                  </p:stCondLst>
+                                  <p:childTnLst>
+                                    <p:set>
+                                      <p:cBhvr>
+                                        <p:cTn id="6" dur="1" fill="hold">
+                                          <p:stCondLst>
+                                            <p:cond delay="0"/>
+                                          </p:stCondLst>
+                                        </p:cTn>
+                                        <p:tgtEl>
+                                          <p:spTgt spid="6"/>
+                                        </p:tgtEl>
+                                        <p:attrNameLst>
+                                          <p:attrName>style.visibility</p:attrName>
+                                        </p:attrNameLst>
+                                      </p:cBhvr>
+                                      <p:to>
+                                        <p:strVal val="visible"/>
+                                      </p:to>
+                                    </p:set>
+                                    <p:animEffect transition="in" filter="checkerboard(across)">
+                                      <p:cBhvr>
+                                        <p:cTn id="7" dur="500"/>
+                                        <p:tgtEl>
+                                          <p:spTgt spid="6"/>
+                                        </p:tgtEl>
+                                      </p:cBhvr>
+                                    </p:animEffect>
+                                  </p:childTnLst>
+                                </p:cTn>
+                              </p:par>
+                            </p:childTnLst>
+                          </p:cTn>
+                        </p:par>
+                      </p:childTnLst>
+                    </p:cTn>
+                  </p:par>
+                  <p:par>
+                    <p:cTn id="8" fill="hold">
+                      <p:stCondLst>
+                        <p:cond delay="indefinite"/>
+                      </p:stCondLst>
+                      <p:childTnLst>
+                        <p:par>
+                          <p:cTn id="9" fill="hold">
+                            <p:stCondLst>
+                              <p:cond delay="0"/>
+                            </p:stCondLst>
+                            <p:childTnLst>
+                              <p:par>
+                                <p:cTn id="10" presetID="9" presetClass="exit" presetSubtype="0" fill="hold" grpId="1" nodeType="clickEffect">
+                                  <p:stCondLst>
+                                    <p:cond delay="0"/>
+                                  </p:stCondLst>
+                                  <p:childTnLst>
+                                    <p:animEffect transition="out" filter="dissolve">
+                                      <p:cBhvr>
+                                        <p:cTn id="11" dur="500"/>
+                                        <p:tgtEl>
+                                          <p:spTgt spid="6"/>
+                                        </p:tgtEl>
+                                      </p:cBhvr>
+                                    </p:animEffect>
+                                    <p:set>
+                                      <p:cBhvr>
+                                        <p:cTn id="12" dur="1" fill="hold">
+                                          <p:stCondLst>
+                                            <p:cond delay="499"/>
+                                          </p:stCondLst>
+                                        </p:cTn>
+                                        <p:tgtEl>
+                                          <p:spTgt spid="6"/>
+                                        </p:tgtEl>
+                                        <p:attrNameLst>
+                                          <p:attrName>style.visibility</p:attrName>
+                                        </p:attrNameLst>
+                                      </p:cBhvr>
+                                      <p:to>
+                                        <p:strVal val="hidden"/>
+                                      </p:to>
+                                    </p:set>
+                                  </p:childTnLst>
+                                </p:cTn>
+                              </p:par>
+                            </p:childTnLst>
+                          </p:cTn>
+                        </p:par>
+                      </p:childTnLst>
+                    </p:cTn>
+                  </p:par>
+                  <p:par>
+                    <p:cTn id="13" fill="hold">
+                      <p:stCondLst>
+                        <p:cond delay="indefinite"/>
+                      </p:stCondLst>
+                      <p:childTnLst>
+                        <p:par>
+                          <p:cTn id="14" fill="hold">
+                            <p:stCondLst>
+                              <p:cond delay="0"/>
+                            </p:stCondLst>
+                            <p:childTnLst>
+                              <p:par>
+                                <p:cTn id="15" presetID="2" presetClass="entr" presetSubtype="4" fill="hold" grpId="0" nodeType="clickEffect">
+                                  <p:stCondLst>
+                                    <p:cond delay="0"/>
+                                  </p:stCondLst>
+                                  <p:childTnLst>
+                                    <p:set>
+                                      <p:cBhvr>
+                                        <p:cTn id="16" dur="1" fill="hold">
+                                          <p:stCondLst>
+                                            <p:cond delay="0"/>
+                                          </p:stCondLst>
+                                        </p:cTn>
+                                        <p:tgtEl>
+                                          <p:spTgt spid="7"/>
+                                        </p:tgtEl>
+                                        <p:attrNameLst>
+                                          <p:attrName>style.visibility</p:attrName>
+                                        </p:attrNameLst>
+                                      </p:cBhvr>
+                                      <p:to>
+                                        <p:strVal val="visible"/>
+                                      </p:to>
+                                    </p:set>
+                                    <p:anim calcmode="lin" valueType="num">
+                                      <p:cBhvr additive="base">
+                                        <p:cTn id="17" dur="500" fill="hold"/>
+                                        <p:tgtEl>
+                                          <p:spTgt spid="7"/>
+                                        </p:tgtEl>
+                                        <p:attrNameLst>
+                                          <p:attrName>ppt_x</p:attrName>
+                                        </p:attrNameLst>
+                                      </p:cBhvr>
+                                      <p:tavLst>
+                                        <p:tav tm="0">
+                                          <p:val>
+                                            <p:strVal val="#ppt_x"/>
+                                          </p:val>
+                                        </p:tav>
+                                        <p:tav tm="100000">
+                                          <p:val>
+                                            <p:strVal val="#ppt_x"/>
+                                          </p:val>
+                                        </p:tav>
+                                      </p:tavLst>
+                                    </p:anim>
+                                    <p:anim calcmode="lin" valueType="num">
+                                      <p:cBhvr additive="base">
+                                        <p:cTn id="18" dur="500" fill="hold"/>
+                                        <p:tgtEl>
+                                          <p:spTgt spid="7"/>
+                                        </p:tgtEl>
+                                        <p:attrNameLst>
+                                          <p:attrName>ppt_y</p:attrName>
+                                        </p:attrNameLst>
+                                      </p:cBhvr>
+                                      <p:tavLst>
+                                        <p:tav tm="0">
+                                          <p:val>
+                                            <p:strVal val="1+#ppt_h/2"/>
+                                          </p:val>
+                                        </p:tav>
+                                        <p:tav tm="100000">
+                                          <p:val>
+                                            <p:strVal val="#ppt_y"/>
+                                          </p:val>
+                                        </p:tav>
+                                      </p:tavLst>
+                                    </p:anim>
+                                  </p:childTnLst>
+                                </p:cTn>
+                              </p:par>
+                            </p:childTnLst>
+                          </p:cTn>
+                        </p:par>
+                      </p:childTnLst>
+                    </p:cTn>
+                  </p:par>
+                </p:childTnLst>
+              </p:cTn>
+              <p:prevCondLst>
+                <p:cond evt="onPrev" delay="0">
+                  <p:tgtEl>
+                    <p:sldTgt/>
+                  </p:tgtEl>
+                </p:cond>
+              </p:prevCondLst>
+              <p:nextCondLst>
+                <p:cond evt="onNext" delay="0">
+                  <p:tgtEl>
+                    <p:sldTgt/>
+                  </p:tgtEl>
+                </p:cond>
+              </p:nextCondLst>
+            </p:seq>
+          </p:childTnLst>
+        </p:cTn>
+      </p:par>
+    </p:tnLst>
+    <p:bldLst>
+      <p:bldP spid="6" grpId="1"/>
+      <p:bldP spid="6" grpId="2"/>
+      <p:bldP spid="7" grpId="0"/>
+    </p:bldLst>
+  </p:timing>
 </p:sld>
 </file>
 
@@ -5832,86 +6529,1043 @@
           <a:chExt cx="0" cy="0"/>
         </a:xfrm>
       </p:grpSpPr>
-      <p:sp>
-        <p:nvSpPr>
-          <p:cNvPr id="2" name="Titolo 1"/>
-          <p:cNvSpPr>
-            <a:spLocks noGrp="1"/>
-          </p:cNvSpPr>
-          <p:nvPr>
-            <p:ph type="title"/>
-          </p:nvPr>
-        </p:nvSpPr>
-        <p:spPr/>
-        <p:txBody>
-          <a:bodyPr/>
+      <p:pic>
+        <p:nvPicPr>
+          <p:cNvPr id="3" name="Immagine 2"/>
+          <p:cNvPicPr>
+            <a:picLocks noChangeAspect="1"/>
+          </p:cNvPicPr>
+          <p:nvPr/>
+        </p:nvPicPr>
+        <p:blipFill>
+          <a:blip r:embed="rId2">
+            <a:extLst>
+              <a:ext uri="{28A0092B-C50C-407E-A947-70E740481C1C}">
+                <a14:useLocalDpi xmlns:a14="http://schemas.microsoft.com/office/drawing/2010/main" val="0"/>
+              </a:ext>
+            </a:extLst>
+          </a:blip>
+          <a:stretch>
+            <a:fillRect/>
+          </a:stretch>
+        </p:blipFill>
+        <p:spPr>
+          <a:xfrm>
+            <a:off x="4593940" y="810785"/>
+            <a:ext cx="2638655" cy="5069541"/>
+          </a:xfrm>
+          <a:prstGeom prst="rect">
+            <a:avLst/>
+          </a:prstGeom>
+          <a:effectLst>
+            <a:softEdge rad="12700"/>
+          </a:effectLst>
+        </p:spPr>
+      </p:pic>
+      <p:pic>
+        <p:nvPicPr>
+          <p:cNvPr id="2" name="Immagine 1"/>
+          <p:cNvPicPr>
+            <a:picLocks noChangeAspect="1"/>
+          </p:cNvPicPr>
+          <p:nvPr/>
+        </p:nvPicPr>
+        <p:blipFill>
+          <a:blip r:embed="rId3">
+            <a:extLst>
+              <a:ext uri="{28A0092B-C50C-407E-A947-70E740481C1C}">
+                <a14:useLocalDpi xmlns:a14="http://schemas.microsoft.com/office/drawing/2010/main" val="0"/>
+              </a:ext>
+            </a:extLst>
+          </a:blip>
+          <a:stretch>
+            <a:fillRect/>
+          </a:stretch>
+        </p:blipFill>
+        <p:spPr>
+          <a:xfrm>
+            <a:off x="4783423" y="1311564"/>
+            <a:ext cx="2215656" cy="3938945"/>
+          </a:xfrm>
+          <a:prstGeom prst="rect">
+            <a:avLst/>
+          </a:prstGeom>
+        </p:spPr>
+      </p:pic>
+      <p:sp>
+        <p:nvSpPr>
+          <p:cNvPr id="6" name="Freccia giù 5"/>
+          <p:cNvSpPr/>
+          <p:nvPr/>
+        </p:nvSpPr>
+        <p:spPr>
+          <a:xfrm rot="19067196">
+            <a:off x="5954690" y="3804830"/>
+            <a:ext cx="653143" cy="878200"/>
+          </a:xfrm>
+          <a:prstGeom prst="downArrow">
+            <a:avLst/>
+          </a:prstGeom>
+        </p:spPr>
+        <p:style>
+          <a:lnRef idx="2">
+            <a:schemeClr val="accent1">
+              <a:shade val="50000"/>
+            </a:schemeClr>
+          </a:lnRef>
+          <a:fillRef idx="1">
+            <a:schemeClr val="accent1"/>
+          </a:fillRef>
+          <a:effectRef idx="0">
+            <a:schemeClr val="accent1"/>
+          </a:effectRef>
+          <a:fontRef idx="minor">
+            <a:schemeClr val="lt1"/>
+          </a:fontRef>
+        </p:style>
+        <p:txBody>
+          <a:bodyPr rtlCol="0" anchor="ctr"/>
           <a:lstStyle/>
           <a:p>
-            <a:r>
-              <a:rPr lang="it-IT" dirty="0" smtClean="0"/>
-              <a:t>Come funziona</a:t>
-            </a:r>
-            <a:endParaRPr lang="it-IT" dirty="0"/>
-          </a:p>
-        </p:txBody>
-      </p:sp>
-      <p:sp>
-        <p:nvSpPr>
-          <p:cNvPr id="3" name="Segnaposto contenuto 2"/>
-          <p:cNvSpPr>
-            <a:spLocks noGrp="1"/>
-          </p:cNvSpPr>
-          <p:nvPr>
-            <p:ph idx="1"/>
-          </p:nvPr>
-        </p:nvSpPr>
-        <p:spPr/>
-        <p:txBody>
-          <a:bodyPr/>
+            <a:pPr algn="ctr"/>
+            <a:endParaRPr lang="it-IT"/>
+          </a:p>
+        </p:txBody>
+      </p:sp>
+      <p:pic>
+        <p:nvPicPr>
+          <p:cNvPr id="10" name="Immagine 9"/>
+          <p:cNvPicPr>
+            <a:picLocks noChangeAspect="1"/>
+          </p:cNvPicPr>
+          <p:nvPr/>
+        </p:nvPicPr>
+        <p:blipFill>
+          <a:blip r:embed="rId3">
+            <a:extLst>
+              <a:ext uri="{28A0092B-C50C-407E-A947-70E740481C1C}">
+                <a14:useLocalDpi xmlns:a14="http://schemas.microsoft.com/office/drawing/2010/main" val="0"/>
+              </a:ext>
+            </a:extLst>
+          </a:blip>
+          <a:stretch>
+            <a:fillRect/>
+          </a:stretch>
+        </p:blipFill>
+        <p:spPr>
+          <a:xfrm>
+            <a:off x="4783423" y="1311563"/>
+            <a:ext cx="2215656" cy="3938945"/>
+          </a:xfrm>
+          <a:prstGeom prst="rect">
+            <a:avLst/>
+          </a:prstGeom>
+        </p:spPr>
+      </p:pic>
+      <p:sp>
+        <p:nvSpPr>
+          <p:cNvPr id="11" name="Freccia giù 10"/>
+          <p:cNvSpPr/>
+          <p:nvPr/>
+        </p:nvSpPr>
+        <p:spPr>
+          <a:xfrm>
+            <a:off x="5586695" y="3471271"/>
+            <a:ext cx="653143" cy="878200"/>
+          </a:xfrm>
+          <a:prstGeom prst="downArrow">
+            <a:avLst/>
+          </a:prstGeom>
+        </p:spPr>
+        <p:style>
+          <a:lnRef idx="2">
+            <a:schemeClr val="accent1">
+              <a:shade val="50000"/>
+            </a:schemeClr>
+          </a:lnRef>
+          <a:fillRef idx="1">
+            <a:schemeClr val="accent1"/>
+          </a:fillRef>
+          <a:effectRef idx="0">
+            <a:schemeClr val="accent1"/>
+          </a:effectRef>
+          <a:fontRef idx="minor">
+            <a:schemeClr val="lt1"/>
+          </a:fontRef>
+        </p:style>
+        <p:txBody>
+          <a:bodyPr rtlCol="0" anchor="ctr"/>
           <a:lstStyle/>
           <a:p>
-            <a:pPr marL="457200" indent="-457200">
-              <a:buFont typeface="+mj-lt"/>
-              <a:buAutoNum type="arabicPeriod"/>
-            </a:pPr>
-            <a:r>
-              <a:rPr lang="it-IT" dirty="0" smtClean="0"/>
-              <a:t>Apri la fotocamera</a:t>
-            </a:r>
-          </a:p>
-          <a:p>
-            <a:pPr marL="457200" indent="-457200">
-              <a:buFont typeface="+mj-lt"/>
-              <a:buAutoNum type="arabicPeriod"/>
-            </a:pPr>
-            <a:r>
-              <a:rPr lang="it-IT" dirty="0" smtClean="0"/>
-              <a:t>Scatta la foto</a:t>
-            </a:r>
-          </a:p>
-          <a:p>
-            <a:pPr marL="457200" indent="-457200">
-              <a:buFont typeface="+mj-lt"/>
-              <a:buAutoNum type="arabicPeriod"/>
-            </a:pPr>
-            <a:r>
-              <a:rPr lang="it-IT" dirty="0" smtClean="0"/>
-              <a:t>Memorizza </a:t>
-            </a:r>
-            <a:endParaRPr lang="it-IT" dirty="0"/>
-          </a:p>
-        </p:txBody>
-      </p:sp>
+            <a:pPr algn="ctr"/>
+            <a:endParaRPr lang="it-IT"/>
+          </a:p>
+        </p:txBody>
+      </p:sp>
+      <p:pic>
+        <p:nvPicPr>
+          <p:cNvPr id="12" name="Immagine 11"/>
+          <p:cNvPicPr>
+            <a:picLocks noChangeAspect="1"/>
+          </p:cNvPicPr>
+          <p:nvPr/>
+        </p:nvPicPr>
+        <p:blipFill>
+          <a:blip r:embed="rId4">
+            <a:extLst>
+              <a:ext uri="{28A0092B-C50C-407E-A947-70E740481C1C}">
+                <a14:useLocalDpi xmlns:a14="http://schemas.microsoft.com/office/drawing/2010/main" val="0"/>
+              </a:ext>
+            </a:extLst>
+          </a:blip>
+          <a:stretch>
+            <a:fillRect/>
+          </a:stretch>
+        </p:blipFill>
+        <p:spPr>
+          <a:xfrm>
+            <a:off x="4778910" y="1311562"/>
+            <a:ext cx="2220169" cy="3946967"/>
+          </a:xfrm>
+          <a:prstGeom prst="rect">
+            <a:avLst/>
+          </a:prstGeom>
+        </p:spPr>
+      </p:pic>
+      <p:sp>
+        <p:nvSpPr>
+          <p:cNvPr id="13" name="Freccia giù 12"/>
+          <p:cNvSpPr/>
+          <p:nvPr/>
+        </p:nvSpPr>
+        <p:spPr>
+          <a:xfrm rot="11732900">
+            <a:off x="5918014" y="1772365"/>
+            <a:ext cx="653143" cy="878200"/>
+          </a:xfrm>
+          <a:prstGeom prst="downArrow">
+            <a:avLst/>
+          </a:prstGeom>
+        </p:spPr>
+        <p:style>
+          <a:lnRef idx="2">
+            <a:schemeClr val="accent1">
+              <a:shade val="50000"/>
+            </a:schemeClr>
+          </a:lnRef>
+          <a:fillRef idx="1">
+            <a:schemeClr val="accent1"/>
+          </a:fillRef>
+          <a:effectRef idx="0">
+            <a:schemeClr val="accent1"/>
+          </a:effectRef>
+          <a:fontRef idx="minor">
+            <a:schemeClr val="lt1"/>
+          </a:fontRef>
+        </p:style>
+        <p:txBody>
+          <a:bodyPr rtlCol="0" anchor="ctr"/>
+          <a:lstStyle/>
+          <a:p>
+            <a:pPr algn="ctr"/>
+            <a:endParaRPr lang="it-IT"/>
+          </a:p>
+        </p:txBody>
+      </p:sp>
+      <p:pic>
+        <p:nvPicPr>
+          <p:cNvPr id="14" name="Immagine 13"/>
+          <p:cNvPicPr>
+            <a:picLocks noChangeAspect="1"/>
+          </p:cNvPicPr>
+          <p:nvPr/>
+        </p:nvPicPr>
+        <p:blipFill>
+          <a:blip r:embed="rId4">
+            <a:extLst>
+              <a:ext uri="{28A0092B-C50C-407E-A947-70E740481C1C}">
+                <a14:useLocalDpi xmlns:a14="http://schemas.microsoft.com/office/drawing/2010/main" val="0"/>
+              </a:ext>
+            </a:extLst>
+          </a:blip>
+          <a:stretch>
+            <a:fillRect/>
+          </a:stretch>
+        </p:blipFill>
+        <p:spPr>
+          <a:xfrm>
+            <a:off x="4778910" y="1303541"/>
+            <a:ext cx="2220169" cy="3946967"/>
+          </a:xfrm>
+          <a:prstGeom prst="rect">
+            <a:avLst/>
+          </a:prstGeom>
+        </p:spPr>
+      </p:pic>
+      <p:sp>
+        <p:nvSpPr>
+          <p:cNvPr id="15" name="Freccia giù 14"/>
+          <p:cNvSpPr/>
+          <p:nvPr/>
+        </p:nvSpPr>
+        <p:spPr>
+          <a:xfrm rot="5400000">
+            <a:off x="5918014" y="1764344"/>
+            <a:ext cx="653143" cy="878200"/>
+          </a:xfrm>
+          <a:prstGeom prst="downArrow">
+            <a:avLst/>
+          </a:prstGeom>
+        </p:spPr>
+        <p:style>
+          <a:lnRef idx="2">
+            <a:schemeClr val="accent1">
+              <a:shade val="50000"/>
+            </a:schemeClr>
+          </a:lnRef>
+          <a:fillRef idx="1">
+            <a:schemeClr val="accent1"/>
+          </a:fillRef>
+          <a:effectRef idx="0">
+            <a:schemeClr val="accent1"/>
+          </a:effectRef>
+          <a:fontRef idx="minor">
+            <a:schemeClr val="lt1"/>
+          </a:fontRef>
+        </p:style>
+        <p:txBody>
+          <a:bodyPr rtlCol="0" anchor="ctr"/>
+          <a:lstStyle/>
+          <a:p>
+            <a:pPr algn="ctr"/>
+            <a:endParaRPr lang="it-IT"/>
+          </a:p>
+        </p:txBody>
+      </p:sp>
+      <p:pic>
+        <p:nvPicPr>
+          <p:cNvPr id="16" name="Immagine 15"/>
+          <p:cNvPicPr>
+            <a:picLocks noChangeAspect="1"/>
+          </p:cNvPicPr>
+          <p:nvPr/>
+        </p:nvPicPr>
+        <p:blipFill>
+          <a:blip r:embed="rId4">
+            <a:extLst>
+              <a:ext uri="{28A0092B-C50C-407E-A947-70E740481C1C}">
+                <a14:useLocalDpi xmlns:a14="http://schemas.microsoft.com/office/drawing/2010/main" val="0"/>
+              </a:ext>
+            </a:extLst>
+          </a:blip>
+          <a:stretch>
+            <a:fillRect/>
+          </a:stretch>
+        </p:blipFill>
+        <p:spPr>
+          <a:xfrm>
+            <a:off x="4778910" y="1311562"/>
+            <a:ext cx="2220169" cy="3946967"/>
+          </a:xfrm>
+          <a:prstGeom prst="rect">
+            <a:avLst/>
+          </a:prstGeom>
+        </p:spPr>
+      </p:pic>
     </p:spTree>
     <p:extLst>
       <p:ext uri="{BB962C8B-B14F-4D97-AF65-F5344CB8AC3E}">
-        <p14:creationId xmlns:p14="http://schemas.microsoft.com/office/powerpoint/2010/main" val="1788417727"/>
+        <p14:creationId xmlns:p14="http://schemas.microsoft.com/office/powerpoint/2010/main" val="762014295"/>
       </p:ext>
     </p:extLst>
   </p:cSld>
   <p:clrMapOvr>
     <a:masterClrMapping/>
   </p:clrMapOvr>
+  <p:timing>
+    <p:tnLst>
+      <p:par>
+        <p:cTn id="1" dur="indefinite" restart="never" nodeType="tmRoot">
+          <p:childTnLst>
+            <p:seq concurrent="1" nextAc="seek">
+              <p:cTn id="2" dur="indefinite" nodeType="mainSeq">
+                <p:childTnLst>
+                  <p:par>
+                    <p:cTn id="3" fill="hold">
+                      <p:stCondLst>
+                        <p:cond delay="indefinite"/>
+                        <p:cond evt="onBegin" delay="0">
+                          <p:tn val="2"/>
+                        </p:cond>
+                      </p:stCondLst>
+                      <p:childTnLst>
+                        <p:par>
+                          <p:cTn id="4" fill="hold">
+                            <p:stCondLst>
+                              <p:cond delay="0"/>
+                            </p:stCondLst>
+                            <p:childTnLst>
+                              <p:par>
+                                <p:cTn id="5" presetID="0" presetClass="path" presetSubtype="0" repeatCount="indefinite" accel="50000" decel="50000" autoRev="1" fill="hold" grpId="0" nodeType="withEffect">
+                                  <p:stCondLst>
+                                    <p:cond delay="0"/>
+                                  </p:stCondLst>
+                                  <p:endCondLst>
+                                    <p:cond evt="onNext" delay="0">
+                                      <p:tgtEl>
+                                        <p:sldTgt/>
+                                      </p:tgtEl>
+                                    </p:cond>
+                                  </p:endCondLst>
+                                  <p:childTnLst>
+                                    <p:animMotion origin="layout" path="M -4.16667E-6 1.11022E-16 L 0.01211 0.02454 " pathEditMode="relative" rAng="0" ptsTypes="AA">
+                                      <p:cBhvr>
+                                        <p:cTn id="6" dur="500" fill="hold"/>
+                                        <p:tgtEl>
+                                          <p:spTgt spid="6"/>
+                                        </p:tgtEl>
+                                        <p:attrNameLst>
+                                          <p:attrName>ppt_x</p:attrName>
+                                          <p:attrName>ppt_y</p:attrName>
+                                        </p:attrNameLst>
+                                      </p:cBhvr>
+                                      <p:rCtr x="599" y="1227"/>
+                                    </p:animMotion>
+                                  </p:childTnLst>
+                                </p:cTn>
+                              </p:par>
+                            </p:childTnLst>
+                          </p:cTn>
+                        </p:par>
+                      </p:childTnLst>
+                    </p:cTn>
+                  </p:par>
+                  <p:par>
+                    <p:cTn id="7" fill="hold">
+                      <p:stCondLst>
+                        <p:cond delay="indefinite"/>
+                      </p:stCondLst>
+                      <p:childTnLst>
+                        <p:par>
+                          <p:cTn id="8" fill="hold">
+                            <p:stCondLst>
+                              <p:cond delay="0"/>
+                            </p:stCondLst>
+                            <p:childTnLst>
+                              <p:par>
+                                <p:cTn id="9" presetID="1" presetClass="exit" presetSubtype="0" fill="hold" nodeType="clickEffect">
+                                  <p:stCondLst>
+                                    <p:cond delay="0"/>
+                                  </p:stCondLst>
+                                  <p:childTnLst>
+                                    <p:set>
+                                      <p:cBhvr>
+                                        <p:cTn id="10" dur="1" fill="hold">
+                                          <p:stCondLst>
+                                            <p:cond delay="0"/>
+                                          </p:stCondLst>
+                                        </p:cTn>
+                                        <p:tgtEl>
+                                          <p:spTgt spid="2"/>
+                                        </p:tgtEl>
+                                        <p:attrNameLst>
+                                          <p:attrName>style.visibility</p:attrName>
+                                        </p:attrNameLst>
+                                      </p:cBhvr>
+                                      <p:to>
+                                        <p:strVal val="hidden"/>
+                                      </p:to>
+                                    </p:set>
+                                  </p:childTnLst>
+                                </p:cTn>
+                              </p:par>
+                              <p:par>
+                                <p:cTn id="11" presetID="1" presetClass="entr" presetSubtype="0" fill="hold" nodeType="withEffect">
+                                  <p:stCondLst>
+                                    <p:cond delay="0"/>
+                                  </p:stCondLst>
+                                  <p:childTnLst>
+                                    <p:set>
+                                      <p:cBhvr>
+                                        <p:cTn id="12" dur="1" fill="hold">
+                                          <p:stCondLst>
+                                            <p:cond delay="0"/>
+                                          </p:stCondLst>
+                                        </p:cTn>
+                                        <p:tgtEl>
+                                          <p:spTgt spid="10"/>
+                                        </p:tgtEl>
+                                        <p:attrNameLst>
+                                          <p:attrName>style.visibility</p:attrName>
+                                        </p:attrNameLst>
+                                      </p:cBhvr>
+                                      <p:to>
+                                        <p:strVal val="visible"/>
+                                      </p:to>
+                                    </p:set>
+                                  </p:childTnLst>
+                                </p:cTn>
+                              </p:par>
+                              <p:par>
+                                <p:cTn id="13" presetID="1" presetClass="entr" presetSubtype="0" fill="hold" grpId="1" nodeType="withEffect">
+                                  <p:stCondLst>
+                                    <p:cond delay="0"/>
+                                  </p:stCondLst>
+                                  <p:childTnLst>
+                                    <p:set>
+                                      <p:cBhvr>
+                                        <p:cTn id="14" dur="1" fill="hold">
+                                          <p:stCondLst>
+                                            <p:cond delay="0"/>
+                                          </p:stCondLst>
+                                        </p:cTn>
+                                        <p:tgtEl>
+                                          <p:spTgt spid="11"/>
+                                        </p:tgtEl>
+                                        <p:attrNameLst>
+                                          <p:attrName>style.visibility</p:attrName>
+                                        </p:attrNameLst>
+                                      </p:cBhvr>
+                                      <p:to>
+                                        <p:strVal val="visible"/>
+                                      </p:to>
+                                    </p:set>
+                                  </p:childTnLst>
+                                </p:cTn>
+                              </p:par>
+                            </p:childTnLst>
+                          </p:cTn>
+                        </p:par>
+                        <p:par>
+                          <p:cTn id="15" fill="hold">
+                            <p:stCondLst>
+                              <p:cond delay="0"/>
+                            </p:stCondLst>
+                            <p:childTnLst>
+                              <p:par>
+                                <p:cTn id="16" presetID="0" presetClass="path" presetSubtype="0" repeatCount="indefinite" accel="50000" decel="50000" autoRev="1" fill="hold" grpId="0" nodeType="afterEffect">
+                                  <p:stCondLst>
+                                    <p:cond delay="0"/>
+                                  </p:stCondLst>
+                                  <p:endCondLst>
+                                    <p:cond evt="onNext" delay="0">
+                                      <p:tgtEl>
+                                        <p:sldTgt/>
+                                      </p:tgtEl>
+                                    </p:cond>
+                                  </p:endCondLst>
+                                  <p:childTnLst>
+                                    <p:animMotion origin="layout" path="M -0.00013 1.11111E-6 L 0.00039 0.03194 " pathEditMode="relative" rAng="0" ptsTypes="AA">
+                                      <p:cBhvr>
+                                        <p:cTn id="17" dur="500" fill="hold"/>
+                                        <p:tgtEl>
+                                          <p:spTgt spid="11"/>
+                                        </p:tgtEl>
+                                        <p:attrNameLst>
+                                          <p:attrName>ppt_x</p:attrName>
+                                          <p:attrName>ppt_y</p:attrName>
+                                        </p:attrNameLst>
+                                      </p:cBhvr>
+                                      <p:rCtr x="26" y="1597"/>
+                                    </p:animMotion>
+                                  </p:childTnLst>
+                                </p:cTn>
+                              </p:par>
+                            </p:childTnLst>
+                          </p:cTn>
+                        </p:par>
+                      </p:childTnLst>
+                    </p:cTn>
+                  </p:par>
+                  <p:par>
+                    <p:cTn id="18" fill="hold">
+                      <p:stCondLst>
+                        <p:cond delay="indefinite"/>
+                      </p:stCondLst>
+                      <p:childTnLst>
+                        <p:par>
+                          <p:cTn id="19" fill="hold">
+                            <p:stCondLst>
+                              <p:cond delay="0"/>
+                            </p:stCondLst>
+                            <p:childTnLst>
+                              <p:par>
+                                <p:cTn id="20" presetID="1" presetClass="exit" presetSubtype="0" fill="hold" grpId="2" nodeType="clickEffect">
+                                  <p:stCondLst>
+                                    <p:cond delay="0"/>
+                                  </p:stCondLst>
+                                  <p:childTnLst>
+                                    <p:set>
+                                      <p:cBhvr>
+                                        <p:cTn id="21" dur="1" fill="hold">
+                                          <p:stCondLst>
+                                            <p:cond delay="0"/>
+                                          </p:stCondLst>
+                                        </p:cTn>
+                                        <p:tgtEl>
+                                          <p:spTgt spid="11"/>
+                                        </p:tgtEl>
+                                        <p:attrNameLst>
+                                          <p:attrName>style.visibility</p:attrName>
+                                        </p:attrNameLst>
+                                      </p:cBhvr>
+                                      <p:to>
+                                        <p:strVal val="hidden"/>
+                                      </p:to>
+                                    </p:set>
+                                  </p:childTnLst>
+                                </p:cTn>
+                              </p:par>
+                              <p:par>
+                                <p:cTn id="22" presetID="1" presetClass="exit" presetSubtype="0" fill="hold" nodeType="withEffect">
+                                  <p:stCondLst>
+                                    <p:cond delay="0"/>
+                                  </p:stCondLst>
+                                  <p:childTnLst>
+                                    <p:set>
+                                      <p:cBhvr>
+                                        <p:cTn id="23" dur="1" fill="hold">
+                                          <p:stCondLst>
+                                            <p:cond delay="0"/>
+                                          </p:stCondLst>
+                                        </p:cTn>
+                                        <p:tgtEl>
+                                          <p:spTgt spid="10"/>
+                                        </p:tgtEl>
+                                        <p:attrNameLst>
+                                          <p:attrName>style.visibility</p:attrName>
+                                        </p:attrNameLst>
+                                      </p:cBhvr>
+                                      <p:to>
+                                        <p:strVal val="hidden"/>
+                                      </p:to>
+                                    </p:set>
+                                  </p:childTnLst>
+                                </p:cTn>
+                              </p:par>
+                              <p:par>
+                                <p:cTn id="24" presetID="1" presetClass="entr" presetSubtype="0" fill="hold" nodeType="withEffect">
+                                  <p:stCondLst>
+                                    <p:cond delay="0"/>
+                                  </p:stCondLst>
+                                  <p:childTnLst>
+                                    <p:set>
+                                      <p:cBhvr>
+                                        <p:cTn id="25" dur="1" fill="hold">
+                                          <p:stCondLst>
+                                            <p:cond delay="0"/>
+                                          </p:stCondLst>
+                                        </p:cTn>
+                                        <p:tgtEl>
+                                          <p:spTgt spid="12"/>
+                                        </p:tgtEl>
+                                        <p:attrNameLst>
+                                          <p:attrName>style.visibility</p:attrName>
+                                        </p:attrNameLst>
+                                      </p:cBhvr>
+                                      <p:to>
+                                        <p:strVal val="visible"/>
+                                      </p:to>
+                                    </p:set>
+                                  </p:childTnLst>
+                                </p:cTn>
+                              </p:par>
+                              <p:par>
+                                <p:cTn id="26" presetID="1" presetClass="entr" presetSubtype="0" fill="hold" grpId="2" nodeType="withEffect">
+                                  <p:stCondLst>
+                                    <p:cond delay="0"/>
+                                  </p:stCondLst>
+                                  <p:childTnLst>
+                                    <p:set>
+                                      <p:cBhvr>
+                                        <p:cTn id="27" dur="1" fill="hold">
+                                          <p:stCondLst>
+                                            <p:cond delay="0"/>
+                                          </p:stCondLst>
+                                        </p:cTn>
+                                        <p:tgtEl>
+                                          <p:spTgt spid="13"/>
+                                        </p:tgtEl>
+                                        <p:attrNameLst>
+                                          <p:attrName>style.visibility</p:attrName>
+                                        </p:attrNameLst>
+                                      </p:cBhvr>
+                                      <p:to>
+                                        <p:strVal val="visible"/>
+                                      </p:to>
+                                    </p:set>
+                                  </p:childTnLst>
+                                </p:cTn>
+                              </p:par>
+                            </p:childTnLst>
+                          </p:cTn>
+                        </p:par>
+                        <p:par>
+                          <p:cTn id="28" fill="hold">
+                            <p:stCondLst>
+                              <p:cond delay="0"/>
+                            </p:stCondLst>
+                            <p:childTnLst>
+                              <p:par>
+                                <p:cTn id="29" presetID="1" presetClass="entr" presetSubtype="0" fill="hold" grpId="1" nodeType="afterEffect">
+                                  <p:stCondLst>
+                                    <p:cond delay="0"/>
+                                  </p:stCondLst>
+                                  <p:childTnLst>
+                                    <p:set>
+                                      <p:cBhvr>
+                                        <p:cTn id="30" dur="1" fill="hold">
+                                          <p:stCondLst>
+                                            <p:cond delay="0"/>
+                                          </p:stCondLst>
+                                        </p:cTn>
+                                        <p:tgtEl>
+                                          <p:spTgt spid="13"/>
+                                        </p:tgtEl>
+                                        <p:attrNameLst>
+                                          <p:attrName>style.visibility</p:attrName>
+                                        </p:attrNameLst>
+                                      </p:cBhvr>
+                                      <p:to>
+                                        <p:strVal val="visible"/>
+                                      </p:to>
+                                    </p:set>
+                                  </p:childTnLst>
+                                </p:cTn>
+                              </p:par>
+                              <p:par>
+                                <p:cTn id="31" presetID="0" presetClass="path" presetSubtype="0" repeatCount="indefinite" accel="50000" decel="50000" autoRev="1" fill="hold" grpId="0" nodeType="withEffect">
+                                  <p:stCondLst>
+                                    <p:cond delay="0"/>
+                                  </p:stCondLst>
+                                  <p:endCondLst>
+                                    <p:cond evt="onNext" delay="0">
+                                      <p:tgtEl>
+                                        <p:sldTgt/>
+                                      </p:tgtEl>
+                                    </p:cond>
+                                  </p:endCondLst>
+                                  <p:childTnLst>
+                                    <p:animMotion origin="layout" path="M -0.00013 -3.7037E-6 L 0.00352 -0.02106 " pathEditMode="relative" rAng="0" ptsTypes="AA">
+                                      <p:cBhvr>
+                                        <p:cTn id="32" dur="500" fill="hold"/>
+                                        <p:tgtEl>
+                                          <p:spTgt spid="13"/>
+                                        </p:tgtEl>
+                                        <p:attrNameLst>
+                                          <p:attrName>ppt_x</p:attrName>
+                                          <p:attrName>ppt_y</p:attrName>
+                                        </p:attrNameLst>
+                                      </p:cBhvr>
+                                      <p:rCtr x="182" y="-1065"/>
+                                    </p:animMotion>
+                                  </p:childTnLst>
+                                </p:cTn>
+                              </p:par>
+                            </p:childTnLst>
+                          </p:cTn>
+                        </p:par>
+                      </p:childTnLst>
+                    </p:cTn>
+                  </p:par>
+                  <p:par>
+                    <p:cTn id="33" fill="hold">
+                      <p:stCondLst>
+                        <p:cond delay="indefinite"/>
+                      </p:stCondLst>
+                      <p:childTnLst>
+                        <p:par>
+                          <p:cTn id="34" fill="hold">
+                            <p:stCondLst>
+                              <p:cond delay="0"/>
+                            </p:stCondLst>
+                            <p:childTnLst>
+                              <p:par>
+                                <p:cTn id="35" presetID="1" presetClass="exit" presetSubtype="0" fill="hold" nodeType="clickEffect">
+                                  <p:stCondLst>
+                                    <p:cond delay="0"/>
+                                  </p:stCondLst>
+                                  <p:childTnLst>
+                                    <p:set>
+                                      <p:cBhvr>
+                                        <p:cTn id="36" dur="1" fill="hold">
+                                          <p:stCondLst>
+                                            <p:cond delay="0"/>
+                                          </p:stCondLst>
+                                        </p:cTn>
+                                        <p:tgtEl>
+                                          <p:spTgt spid="12"/>
+                                        </p:tgtEl>
+                                        <p:attrNameLst>
+                                          <p:attrName>style.visibility</p:attrName>
+                                        </p:attrNameLst>
+                                      </p:cBhvr>
+                                      <p:to>
+                                        <p:strVal val="hidden"/>
+                                      </p:to>
+                                    </p:set>
+                                  </p:childTnLst>
+                                </p:cTn>
+                              </p:par>
+                              <p:par>
+                                <p:cTn id="37" presetID="1" presetClass="exit" presetSubtype="0" fill="hold" grpId="3" nodeType="withEffect">
+                                  <p:stCondLst>
+                                    <p:cond delay="0"/>
+                                  </p:stCondLst>
+                                  <p:childTnLst>
+                                    <p:set>
+                                      <p:cBhvr>
+                                        <p:cTn id="38" dur="1" fill="hold">
+                                          <p:stCondLst>
+                                            <p:cond delay="0"/>
+                                          </p:stCondLst>
+                                        </p:cTn>
+                                        <p:tgtEl>
+                                          <p:spTgt spid="13"/>
+                                        </p:tgtEl>
+                                        <p:attrNameLst>
+                                          <p:attrName>style.visibility</p:attrName>
+                                        </p:attrNameLst>
+                                      </p:cBhvr>
+                                      <p:to>
+                                        <p:strVal val="hidden"/>
+                                      </p:to>
+                                    </p:set>
+                                  </p:childTnLst>
+                                </p:cTn>
+                              </p:par>
+                              <p:par>
+                                <p:cTn id="39" presetID="1" presetClass="entr" presetSubtype="0" fill="hold" nodeType="withEffect">
+                                  <p:stCondLst>
+                                    <p:cond delay="0"/>
+                                  </p:stCondLst>
+                                  <p:childTnLst>
+                                    <p:set>
+                                      <p:cBhvr>
+                                        <p:cTn id="40" dur="1" fill="hold">
+                                          <p:stCondLst>
+                                            <p:cond delay="0"/>
+                                          </p:stCondLst>
+                                        </p:cTn>
+                                        <p:tgtEl>
+                                          <p:spTgt spid="14"/>
+                                        </p:tgtEl>
+                                        <p:attrNameLst>
+                                          <p:attrName>style.visibility</p:attrName>
+                                        </p:attrNameLst>
+                                      </p:cBhvr>
+                                      <p:to>
+                                        <p:strVal val="visible"/>
+                                      </p:to>
+                                    </p:set>
+                                  </p:childTnLst>
+                                </p:cTn>
+                              </p:par>
+                              <p:par>
+                                <p:cTn id="41" presetID="1" presetClass="entr" presetSubtype="0" fill="hold" grpId="1" nodeType="withEffect">
+                                  <p:stCondLst>
+                                    <p:cond delay="0"/>
+                                  </p:stCondLst>
+                                  <p:childTnLst>
+                                    <p:set>
+                                      <p:cBhvr>
+                                        <p:cTn id="42" dur="1" fill="hold">
+                                          <p:stCondLst>
+                                            <p:cond delay="0"/>
+                                          </p:stCondLst>
+                                        </p:cTn>
+                                        <p:tgtEl>
+                                          <p:spTgt spid="15"/>
+                                        </p:tgtEl>
+                                        <p:attrNameLst>
+                                          <p:attrName>style.visibility</p:attrName>
+                                        </p:attrNameLst>
+                                      </p:cBhvr>
+                                      <p:to>
+                                        <p:strVal val="visible"/>
+                                      </p:to>
+                                    </p:set>
+                                  </p:childTnLst>
+                                </p:cTn>
+                              </p:par>
+                            </p:childTnLst>
+                          </p:cTn>
+                        </p:par>
+                        <p:par>
+                          <p:cTn id="43" fill="hold">
+                            <p:stCondLst>
+                              <p:cond delay="0"/>
+                            </p:stCondLst>
+                            <p:childTnLst>
+                              <p:par>
+                                <p:cTn id="44" presetID="0" presetClass="path" presetSubtype="0" repeatCount="indefinite" accel="50000" decel="50000" autoRev="1" fill="hold" grpId="0" nodeType="afterEffect">
+                                  <p:stCondLst>
+                                    <p:cond delay="0"/>
+                                  </p:stCondLst>
+                                  <p:endCondLst>
+                                    <p:cond evt="onNext" delay="0">
+                                      <p:tgtEl>
+                                        <p:sldTgt/>
+                                      </p:tgtEl>
+                                    </p:cond>
+                                  </p:endCondLst>
+                                  <p:childTnLst>
+                                    <p:animMotion origin="layout" path="M -0.00013 3.7037E-6 L -0.00117 0.27847 " pathEditMode="relative" rAng="0" ptsTypes="AA">
+                                      <p:cBhvr>
+                                        <p:cTn id="45" dur="2000" fill="hold"/>
+                                        <p:tgtEl>
+                                          <p:spTgt spid="15"/>
+                                        </p:tgtEl>
+                                        <p:attrNameLst>
+                                          <p:attrName>ppt_x</p:attrName>
+                                          <p:attrName>ppt_y</p:attrName>
+                                        </p:attrNameLst>
+                                      </p:cBhvr>
+                                      <p:rCtr x="-52" y="13912"/>
+                                    </p:animMotion>
+                                  </p:childTnLst>
+                                </p:cTn>
+                              </p:par>
+                            </p:childTnLst>
+                          </p:cTn>
+                        </p:par>
+                      </p:childTnLst>
+                    </p:cTn>
+                  </p:par>
+                  <p:par>
+                    <p:cTn id="46" fill="hold">
+                      <p:stCondLst>
+                        <p:cond delay="indefinite"/>
+                      </p:stCondLst>
+                      <p:childTnLst>
+                        <p:par>
+                          <p:cTn id="47" fill="hold">
+                            <p:stCondLst>
+                              <p:cond delay="0"/>
+                            </p:stCondLst>
+                            <p:childTnLst>
+                              <p:par>
+                                <p:cTn id="48" presetID="1" presetClass="exit" presetSubtype="0" fill="hold" nodeType="clickEffect">
+                                  <p:stCondLst>
+                                    <p:cond delay="0"/>
+                                  </p:stCondLst>
+                                  <p:childTnLst>
+                                    <p:set>
+                                      <p:cBhvr>
+                                        <p:cTn id="49" dur="1" fill="hold">
+                                          <p:stCondLst>
+                                            <p:cond delay="0"/>
+                                          </p:stCondLst>
+                                        </p:cTn>
+                                        <p:tgtEl>
+                                          <p:spTgt spid="14"/>
+                                        </p:tgtEl>
+                                        <p:attrNameLst>
+                                          <p:attrName>style.visibility</p:attrName>
+                                        </p:attrNameLst>
+                                      </p:cBhvr>
+                                      <p:to>
+                                        <p:strVal val="hidden"/>
+                                      </p:to>
+                                    </p:set>
+                                  </p:childTnLst>
+                                </p:cTn>
+                              </p:par>
+                              <p:par>
+                                <p:cTn id="50" presetID="1" presetClass="exit" presetSubtype="0" fill="hold" grpId="2" nodeType="withEffect">
+                                  <p:stCondLst>
+                                    <p:cond delay="0"/>
+                                  </p:stCondLst>
+                                  <p:childTnLst>
+                                    <p:set>
+                                      <p:cBhvr>
+                                        <p:cTn id="51" dur="1" fill="hold">
+                                          <p:stCondLst>
+                                            <p:cond delay="0"/>
+                                          </p:stCondLst>
+                                        </p:cTn>
+                                        <p:tgtEl>
+                                          <p:spTgt spid="15"/>
+                                        </p:tgtEl>
+                                        <p:attrNameLst>
+                                          <p:attrName>style.visibility</p:attrName>
+                                        </p:attrNameLst>
+                                      </p:cBhvr>
+                                      <p:to>
+                                        <p:strVal val="hidden"/>
+                                      </p:to>
+                                    </p:set>
+                                  </p:childTnLst>
+                                </p:cTn>
+                              </p:par>
+                              <p:par>
+                                <p:cTn id="52" presetID="1" presetClass="entr" presetSubtype="0" fill="hold" nodeType="withEffect">
+                                  <p:stCondLst>
+                                    <p:cond delay="0"/>
+                                  </p:stCondLst>
+                                  <p:childTnLst>
+                                    <p:set>
+                                      <p:cBhvr>
+                                        <p:cTn id="53" dur="1" fill="hold">
+                                          <p:stCondLst>
+                                            <p:cond delay="0"/>
+                                          </p:stCondLst>
+                                        </p:cTn>
+                                        <p:tgtEl>
+                                          <p:spTgt spid="16"/>
+                                        </p:tgtEl>
+                                        <p:attrNameLst>
+                                          <p:attrName>style.visibility</p:attrName>
+                                        </p:attrNameLst>
+                                      </p:cBhvr>
+                                      <p:to>
+                                        <p:strVal val="visible"/>
+                                      </p:to>
+                                    </p:set>
+                                  </p:childTnLst>
+                                </p:cTn>
+                              </p:par>
+                            </p:childTnLst>
+                          </p:cTn>
+                        </p:par>
+                      </p:childTnLst>
+                    </p:cTn>
+                  </p:par>
+                </p:childTnLst>
+              </p:cTn>
+              <p:prevCondLst>
+                <p:cond evt="onPrev" delay="0">
+                  <p:tgtEl>
+                    <p:sldTgt/>
+                  </p:tgtEl>
+                </p:cond>
+              </p:prevCondLst>
+              <p:nextCondLst>
+                <p:cond evt="onNext" delay="0">
+                  <p:tgtEl>
+                    <p:sldTgt/>
+                  </p:tgtEl>
+                </p:cond>
+              </p:nextCondLst>
+            </p:seq>
+          </p:childTnLst>
+        </p:cTn>
+      </p:par>
+    </p:tnLst>
+    <p:bldLst>
+      <p:bldP spid="6" grpId="0" animBg="1"/>
+      <p:bldP spid="11" grpId="0" animBg="1"/>
+      <p:bldP spid="11" grpId="1" animBg="1"/>
+      <p:bldP spid="11" grpId="2" animBg="1"/>
+      <p:bldP spid="13" grpId="0" animBg="1"/>
+      <p:bldP spid="13" grpId="1" animBg="1"/>
+      <p:bldP spid="13" grpId="2" animBg="1"/>
+      <p:bldP spid="13" grpId="3" animBg="1"/>
+      <p:bldP spid="15" grpId="0" animBg="1"/>
+      <p:bldP spid="15" grpId="1" animBg="1"/>
+      <p:bldP spid="15" grpId="2" animBg="1"/>
+    </p:bldLst>
+  </p:timing>
 </p:sld>
 </file>
 
@@ -5934,100 +7588,569 @@
       </p:grpSpPr>
       <p:sp>
         <p:nvSpPr>
-          <p:cNvPr id="2" name="Titolo 1"/>
-          <p:cNvSpPr>
-            <a:spLocks noGrp="1"/>
-          </p:cNvSpPr>
-          <p:nvPr>
-            <p:ph type="title"/>
-          </p:nvPr>
-        </p:nvSpPr>
-        <p:spPr/>
-        <p:txBody>
-          <a:bodyPr/>
+          <p:cNvPr id="2" name="Rettangolo 1"/>
+          <p:cNvSpPr/>
+          <p:nvPr/>
+        </p:nvSpPr>
+        <p:spPr>
+          <a:xfrm>
+            <a:off x="338806" y="682884"/>
+            <a:ext cx="3454944" cy="646331"/>
+          </a:xfrm>
+          <a:prstGeom prst="rect">
+            <a:avLst/>
+          </a:prstGeom>
+        </p:spPr>
+        <p:txBody>
+          <a:bodyPr wrap="square">
+            <a:spAutoFit/>
+          </a:bodyPr>
           <a:lstStyle/>
           <a:p>
-            <a:r>
-              <a:rPr lang="it-IT" dirty="0" smtClean="0"/>
-              <a:t>Scelte stilistiche</a:t>
-            </a:r>
-            <a:endParaRPr lang="it-IT" dirty="0"/>
-          </a:p>
-        </p:txBody>
-      </p:sp>
-      <p:sp>
-        <p:nvSpPr>
-          <p:cNvPr id="3" name="Segnaposto contenuto 2"/>
-          <p:cNvSpPr>
-            <a:spLocks noGrp="1"/>
-          </p:cNvSpPr>
-          <p:nvPr>
-            <p:ph idx="1"/>
-          </p:nvPr>
-        </p:nvSpPr>
-        <p:spPr/>
-        <p:txBody>
-          <a:bodyPr/>
+            <a:pPr algn="ctr"/>
+            <a:r>
+              <a:rPr lang="it-IT" sz="3600" dirty="0" smtClean="0"/>
+              <a:t>Scatta</a:t>
+            </a:r>
+            <a:endParaRPr lang="it-IT" sz="3600" dirty="0"/>
+          </a:p>
+        </p:txBody>
+      </p:sp>
+      <p:sp>
+        <p:nvSpPr>
+          <p:cNvPr id="3" name="Rettangolo 2"/>
+          <p:cNvSpPr/>
+          <p:nvPr/>
+        </p:nvSpPr>
+        <p:spPr>
+          <a:xfrm>
+            <a:off x="1825038" y="1329215"/>
+            <a:ext cx="8718177" cy="830997"/>
+          </a:xfrm>
+          <a:prstGeom prst="rect">
+            <a:avLst/>
+          </a:prstGeom>
+        </p:spPr>
+        <p:txBody>
+          <a:bodyPr wrap="square">
+            <a:spAutoFit/>
+          </a:bodyPr>
           <a:lstStyle/>
           <a:p>
             <a:r>
-              <a:rPr lang="it-IT" dirty="0" smtClean="0"/>
-              <a:t>Uso il “</a:t>
-            </a:r>
-            <a:r>
-              <a:rPr lang="it-IT" dirty="0" err="1" smtClean="0"/>
-              <a:t>floating</a:t>
-            </a:r>
-            <a:r>
-              <a:rPr lang="it-IT" dirty="0" smtClean="0"/>
+              <a:rPr lang="it-IT" sz="2400" dirty="0" smtClean="0"/>
+              <a:t>Inquadra lo scontrino che vuoi conservare e con un solo </a:t>
+            </a:r>
+            <a:r>
+              <a:rPr lang="it-IT" sz="2400" dirty="0" err="1" smtClean="0"/>
+              <a:t>tap</a:t>
+            </a:r>
+            <a:r>
+              <a:rPr lang="it-IT" sz="2400" dirty="0" smtClean="0"/>
               <a:t> </a:t>
             </a:r>
             <a:r>
-              <a:rPr lang="it-IT" dirty="0" err="1" smtClean="0"/>
-              <a:t>action</a:t>
-            </a:r>
-            <a:r>
-              <a:rPr lang="it-IT" dirty="0" smtClean="0"/>
-              <a:t> </a:t>
-            </a:r>
-            <a:r>
-              <a:rPr lang="it-IT" dirty="0" err="1" smtClean="0"/>
-              <a:t>button</a:t>
-            </a:r>
-            <a:r>
-              <a:rPr lang="it-IT" dirty="0" smtClean="0"/>
-              <a:t>” di </a:t>
-            </a:r>
-            <a:r>
-              <a:rPr lang="it-IT" dirty="0" err="1" smtClean="0"/>
-              <a:t>android</a:t>
-            </a:r>
-            <a:r>
-              <a:rPr lang="it-IT" dirty="0" smtClean="0"/>
-              <a:t> per avere sempre a portata di </a:t>
-            </a:r>
-            <a:r>
-              <a:rPr lang="it-IT" dirty="0" err="1" smtClean="0"/>
-              <a:t>tap</a:t>
-            </a:r>
-            <a:r>
-              <a:rPr lang="it-IT" dirty="0" smtClean="0"/>
-              <a:t> la fotocamera con l’immediata memorizzazione</a:t>
-            </a:r>
-            <a:endParaRPr lang="it-IT" dirty="0"/>
+              <a:rPr lang="it-IT" sz="2400" dirty="0" err="1" smtClean="0"/>
+              <a:t>ScontrApp</a:t>
+            </a:r>
+            <a:r>
+              <a:rPr lang="it-IT" sz="2400" dirty="0" smtClean="0"/>
+              <a:t> memorizzerà il documento.  </a:t>
+            </a:r>
+            <a:endParaRPr lang="it-IT" sz="2400" dirty="0"/>
+          </a:p>
+        </p:txBody>
+      </p:sp>
+      <p:sp>
+        <p:nvSpPr>
+          <p:cNvPr id="4" name="Rettangolo 3"/>
+          <p:cNvSpPr/>
+          <p:nvPr/>
+        </p:nvSpPr>
+        <p:spPr>
+          <a:xfrm>
+            <a:off x="596194" y="2806543"/>
+            <a:ext cx="6151845" cy="646331"/>
+          </a:xfrm>
+          <a:prstGeom prst="rect">
+            <a:avLst/>
+          </a:prstGeom>
+        </p:spPr>
+        <p:txBody>
+          <a:bodyPr wrap="square">
+            <a:spAutoFit/>
+          </a:bodyPr>
+          <a:lstStyle/>
+          <a:p>
+            <a:pPr algn="ctr"/>
+            <a:r>
+              <a:rPr lang="it-IT" sz="3600" dirty="0" smtClean="0"/>
+              <a:t>Memorizza </a:t>
+            </a:r>
+            <a:r>
+              <a:rPr lang="it-IT" sz="3600" smtClean="0"/>
+              <a:t>ed ordina</a:t>
+            </a:r>
+            <a:endParaRPr lang="it-IT" sz="3600" dirty="0"/>
+          </a:p>
+        </p:txBody>
+      </p:sp>
+      <p:sp>
+        <p:nvSpPr>
+          <p:cNvPr id="5" name="Rettangolo 4"/>
+          <p:cNvSpPr/>
+          <p:nvPr/>
+        </p:nvSpPr>
+        <p:spPr>
+          <a:xfrm>
+            <a:off x="1720867" y="3776040"/>
+            <a:ext cx="8718177" cy="2308324"/>
+          </a:xfrm>
+          <a:prstGeom prst="rect">
+            <a:avLst/>
+          </a:prstGeom>
+        </p:spPr>
+        <p:txBody>
+          <a:bodyPr wrap="square">
+            <a:spAutoFit/>
+          </a:bodyPr>
+          <a:lstStyle/>
+          <a:p>
+            <a:r>
+              <a:rPr lang="it-IT" sz="2400" dirty="0" err="1" smtClean="0"/>
+              <a:t>ScontrApp</a:t>
+            </a:r>
+            <a:r>
+              <a:rPr lang="it-IT" sz="2400" dirty="0" smtClean="0"/>
+              <a:t> penserà tutto lei riguardo la memorizzazione dei documenti nella memoria.</a:t>
+            </a:r>
+          </a:p>
+          <a:p>
+            <a:endParaRPr lang="it-IT" sz="2400" dirty="0" smtClean="0"/>
+          </a:p>
+          <a:p>
+            <a:r>
+              <a:rPr lang="it-IT" sz="2400" dirty="0" err="1" smtClean="0"/>
+              <a:t>ScontrApp</a:t>
+            </a:r>
+            <a:r>
+              <a:rPr lang="it-IT" sz="2400" dirty="0" smtClean="0"/>
+              <a:t> memorizzerà l’ordinamento degli scontrini come avevi scelto durante l’ultimo utilizzo anche se viene chiusa.</a:t>
+            </a:r>
+            <a:endParaRPr lang="it-IT" sz="2400" dirty="0"/>
           </a:p>
         </p:txBody>
       </p:sp>
     </p:spTree>
     <p:extLst>
       <p:ext uri="{BB962C8B-B14F-4D97-AF65-F5344CB8AC3E}">
-        <p14:creationId xmlns:p14="http://schemas.microsoft.com/office/powerpoint/2010/main" val="422445298"/>
+        <p14:creationId xmlns:p14="http://schemas.microsoft.com/office/powerpoint/2010/main" val="932630362"/>
       </p:ext>
     </p:extLst>
   </p:cSld>
   <p:clrMapOvr>
     <a:masterClrMapping/>
   </p:clrMapOvr>
+  <p:timing>
+    <p:tnLst>
+      <p:par>
+        <p:cTn id="1" dur="indefinite" restart="never" nodeType="tmRoot">
+          <p:childTnLst>
+            <p:seq concurrent="1" nextAc="seek">
+              <p:cTn id="2" dur="indefinite" nodeType="mainSeq">
+                <p:childTnLst>
+                  <p:par>
+                    <p:cTn id="3" fill="hold">
+                      <p:stCondLst>
+                        <p:cond delay="indefinite"/>
+                      </p:stCondLst>
+                      <p:childTnLst>
+                        <p:par>
+                          <p:cTn id="4" fill="hold">
+                            <p:stCondLst>
+                              <p:cond delay="0"/>
+                            </p:stCondLst>
+                            <p:childTnLst>
+                              <p:par>
+                                <p:cTn id="5" presetID="2" presetClass="entr" presetSubtype="4" fill="hold" grpId="0" nodeType="clickEffect">
+                                  <p:stCondLst>
+                                    <p:cond delay="0"/>
+                                  </p:stCondLst>
+                                  <p:childTnLst>
+                                    <p:set>
+                                      <p:cBhvr>
+                                        <p:cTn id="6" dur="1" fill="hold">
+                                          <p:stCondLst>
+                                            <p:cond delay="0"/>
+                                          </p:stCondLst>
+                                        </p:cTn>
+                                        <p:tgtEl>
+                                          <p:spTgt spid="2"/>
+                                        </p:tgtEl>
+                                        <p:attrNameLst>
+                                          <p:attrName>style.visibility</p:attrName>
+                                        </p:attrNameLst>
+                                      </p:cBhvr>
+                                      <p:to>
+                                        <p:strVal val="visible"/>
+                                      </p:to>
+                                    </p:set>
+                                    <p:anim calcmode="lin" valueType="num">
+                                      <p:cBhvr additive="base">
+                                        <p:cTn id="7" dur="500" fill="hold"/>
+                                        <p:tgtEl>
+                                          <p:spTgt spid="2"/>
+                                        </p:tgtEl>
+                                        <p:attrNameLst>
+                                          <p:attrName>ppt_x</p:attrName>
+                                        </p:attrNameLst>
+                                      </p:cBhvr>
+                                      <p:tavLst>
+                                        <p:tav tm="0">
+                                          <p:val>
+                                            <p:strVal val="#ppt_x"/>
+                                          </p:val>
+                                        </p:tav>
+                                        <p:tav tm="100000">
+                                          <p:val>
+                                            <p:strVal val="#ppt_x"/>
+                                          </p:val>
+                                        </p:tav>
+                                      </p:tavLst>
+                                    </p:anim>
+                                    <p:anim calcmode="lin" valueType="num">
+                                      <p:cBhvr additive="base">
+                                        <p:cTn id="8" dur="500" fill="hold"/>
+                                        <p:tgtEl>
+                                          <p:spTgt spid="2"/>
+                                        </p:tgtEl>
+                                        <p:attrNameLst>
+                                          <p:attrName>ppt_y</p:attrName>
+                                        </p:attrNameLst>
+                                      </p:cBhvr>
+                                      <p:tavLst>
+                                        <p:tav tm="0">
+                                          <p:val>
+                                            <p:strVal val="1+#ppt_h/2"/>
+                                          </p:val>
+                                        </p:tav>
+                                        <p:tav tm="100000">
+                                          <p:val>
+                                            <p:strVal val="#ppt_y"/>
+                                          </p:val>
+                                        </p:tav>
+                                      </p:tavLst>
+                                    </p:anim>
+                                  </p:childTnLst>
+                                </p:cTn>
+                              </p:par>
+                            </p:childTnLst>
+                          </p:cTn>
+                        </p:par>
+                      </p:childTnLst>
+                    </p:cTn>
+                  </p:par>
+                  <p:par>
+                    <p:cTn id="9" fill="hold">
+                      <p:stCondLst>
+                        <p:cond delay="indefinite"/>
+                      </p:stCondLst>
+                      <p:childTnLst>
+                        <p:par>
+                          <p:cTn id="10" fill="hold">
+                            <p:stCondLst>
+                              <p:cond delay="0"/>
+                            </p:stCondLst>
+                            <p:childTnLst>
+                              <p:par>
+                                <p:cTn id="11" presetID="2" presetClass="entr" presetSubtype="4" fill="hold" grpId="0" nodeType="clickEffect">
+                                  <p:stCondLst>
+                                    <p:cond delay="0"/>
+                                  </p:stCondLst>
+                                  <p:childTnLst>
+                                    <p:set>
+                                      <p:cBhvr>
+                                        <p:cTn id="12" dur="1" fill="hold">
+                                          <p:stCondLst>
+                                            <p:cond delay="0"/>
+                                          </p:stCondLst>
+                                        </p:cTn>
+                                        <p:tgtEl>
+                                          <p:spTgt spid="3"/>
+                                        </p:tgtEl>
+                                        <p:attrNameLst>
+                                          <p:attrName>style.visibility</p:attrName>
+                                        </p:attrNameLst>
+                                      </p:cBhvr>
+                                      <p:to>
+                                        <p:strVal val="visible"/>
+                                      </p:to>
+                                    </p:set>
+                                    <p:anim calcmode="lin" valueType="num">
+                                      <p:cBhvr additive="base">
+                                        <p:cTn id="13" dur="500" fill="hold"/>
+                                        <p:tgtEl>
+                                          <p:spTgt spid="3"/>
+                                        </p:tgtEl>
+                                        <p:attrNameLst>
+                                          <p:attrName>ppt_x</p:attrName>
+                                        </p:attrNameLst>
+                                      </p:cBhvr>
+                                      <p:tavLst>
+                                        <p:tav tm="0">
+                                          <p:val>
+                                            <p:strVal val="#ppt_x"/>
+                                          </p:val>
+                                        </p:tav>
+                                        <p:tav tm="100000">
+                                          <p:val>
+                                            <p:strVal val="#ppt_x"/>
+                                          </p:val>
+                                        </p:tav>
+                                      </p:tavLst>
+                                    </p:anim>
+                                    <p:anim calcmode="lin" valueType="num">
+                                      <p:cBhvr additive="base">
+                                        <p:cTn id="14" dur="500" fill="hold"/>
+                                        <p:tgtEl>
+                                          <p:spTgt spid="3"/>
+                                        </p:tgtEl>
+                                        <p:attrNameLst>
+                                          <p:attrName>ppt_y</p:attrName>
+                                        </p:attrNameLst>
+                                      </p:cBhvr>
+                                      <p:tavLst>
+                                        <p:tav tm="0">
+                                          <p:val>
+                                            <p:strVal val="1+#ppt_h/2"/>
+                                          </p:val>
+                                        </p:tav>
+                                        <p:tav tm="100000">
+                                          <p:val>
+                                            <p:strVal val="#ppt_y"/>
+                                          </p:val>
+                                        </p:tav>
+                                      </p:tavLst>
+                                    </p:anim>
+                                  </p:childTnLst>
+                                </p:cTn>
+                              </p:par>
+                            </p:childTnLst>
+                          </p:cTn>
+                        </p:par>
+                      </p:childTnLst>
+                    </p:cTn>
+                  </p:par>
+                  <p:par>
+                    <p:cTn id="15" fill="hold">
+                      <p:stCondLst>
+                        <p:cond delay="indefinite"/>
+                      </p:stCondLst>
+                      <p:childTnLst>
+                        <p:par>
+                          <p:cTn id="16" fill="hold">
+                            <p:stCondLst>
+                              <p:cond delay="0"/>
+                            </p:stCondLst>
+                            <p:childTnLst>
+                              <p:par>
+                                <p:cTn id="17" presetID="2" presetClass="entr" presetSubtype="4" fill="hold" grpId="0" nodeType="clickEffect">
+                                  <p:stCondLst>
+                                    <p:cond delay="0"/>
+                                  </p:stCondLst>
+                                  <p:childTnLst>
+                                    <p:set>
+                                      <p:cBhvr>
+                                        <p:cTn id="18" dur="1" fill="hold">
+                                          <p:stCondLst>
+                                            <p:cond delay="0"/>
+                                          </p:stCondLst>
+                                        </p:cTn>
+                                        <p:tgtEl>
+                                          <p:spTgt spid="4"/>
+                                        </p:tgtEl>
+                                        <p:attrNameLst>
+                                          <p:attrName>style.visibility</p:attrName>
+                                        </p:attrNameLst>
+                                      </p:cBhvr>
+                                      <p:to>
+                                        <p:strVal val="visible"/>
+                                      </p:to>
+                                    </p:set>
+                                    <p:anim calcmode="lin" valueType="num">
+                                      <p:cBhvr additive="base">
+                                        <p:cTn id="19" dur="500" fill="hold"/>
+                                        <p:tgtEl>
+                                          <p:spTgt spid="4"/>
+                                        </p:tgtEl>
+                                        <p:attrNameLst>
+                                          <p:attrName>ppt_x</p:attrName>
+                                        </p:attrNameLst>
+                                      </p:cBhvr>
+                                      <p:tavLst>
+                                        <p:tav tm="0">
+                                          <p:val>
+                                            <p:strVal val="#ppt_x"/>
+                                          </p:val>
+                                        </p:tav>
+                                        <p:tav tm="100000">
+                                          <p:val>
+                                            <p:strVal val="#ppt_x"/>
+                                          </p:val>
+                                        </p:tav>
+                                      </p:tavLst>
+                                    </p:anim>
+                                    <p:anim calcmode="lin" valueType="num">
+                                      <p:cBhvr additive="base">
+                                        <p:cTn id="20" dur="500" fill="hold"/>
+                                        <p:tgtEl>
+                                          <p:spTgt spid="4"/>
+                                        </p:tgtEl>
+                                        <p:attrNameLst>
+                                          <p:attrName>ppt_y</p:attrName>
+                                        </p:attrNameLst>
+                                      </p:cBhvr>
+                                      <p:tavLst>
+                                        <p:tav tm="0">
+                                          <p:val>
+                                            <p:strVal val="1+#ppt_h/2"/>
+                                          </p:val>
+                                        </p:tav>
+                                        <p:tav tm="100000">
+                                          <p:val>
+                                            <p:strVal val="#ppt_y"/>
+                                          </p:val>
+                                        </p:tav>
+                                      </p:tavLst>
+                                    </p:anim>
+                                  </p:childTnLst>
+                                </p:cTn>
+                              </p:par>
+                            </p:childTnLst>
+                          </p:cTn>
+                        </p:par>
+                      </p:childTnLst>
+                    </p:cTn>
+                  </p:par>
+                  <p:par>
+                    <p:cTn id="21" fill="hold">
+                      <p:stCondLst>
+                        <p:cond delay="indefinite"/>
+                      </p:stCondLst>
+                      <p:childTnLst>
+                        <p:par>
+                          <p:cTn id="22" fill="hold">
+                            <p:stCondLst>
+                              <p:cond delay="0"/>
+                            </p:stCondLst>
+                            <p:childTnLst>
+                              <p:par>
+                                <p:cTn id="23" presetID="2" presetClass="entr" presetSubtype="4" fill="hold" grpId="0" nodeType="clickEffect">
+                                  <p:stCondLst>
+                                    <p:cond delay="0"/>
+                                  </p:stCondLst>
+                                  <p:childTnLst>
+                                    <p:set>
+                                      <p:cBhvr>
+                                        <p:cTn id="24" dur="1" fill="hold">
+                                          <p:stCondLst>
+                                            <p:cond delay="0"/>
+                                          </p:stCondLst>
+                                        </p:cTn>
+                                        <p:tgtEl>
+                                          <p:spTgt spid="5"/>
+                                        </p:tgtEl>
+                                        <p:attrNameLst>
+                                          <p:attrName>style.visibility</p:attrName>
+                                        </p:attrNameLst>
+                                      </p:cBhvr>
+                                      <p:to>
+                                        <p:strVal val="visible"/>
+                                      </p:to>
+                                    </p:set>
+                                    <p:anim calcmode="lin" valueType="num">
+                                      <p:cBhvr additive="base">
+                                        <p:cTn id="25" dur="500" fill="hold"/>
+                                        <p:tgtEl>
+                                          <p:spTgt spid="5"/>
+                                        </p:tgtEl>
+                                        <p:attrNameLst>
+                                          <p:attrName>ppt_x</p:attrName>
+                                        </p:attrNameLst>
+                                      </p:cBhvr>
+                                      <p:tavLst>
+                                        <p:tav tm="0">
+                                          <p:val>
+                                            <p:strVal val="#ppt_x"/>
+                                          </p:val>
+                                        </p:tav>
+                                        <p:tav tm="100000">
+                                          <p:val>
+                                            <p:strVal val="#ppt_x"/>
+                                          </p:val>
+                                        </p:tav>
+                                      </p:tavLst>
+                                    </p:anim>
+                                    <p:anim calcmode="lin" valueType="num">
+                                      <p:cBhvr additive="base">
+                                        <p:cTn id="26" dur="500" fill="hold"/>
+                                        <p:tgtEl>
+                                          <p:spTgt spid="5"/>
+                                        </p:tgtEl>
+                                        <p:attrNameLst>
+                                          <p:attrName>ppt_y</p:attrName>
+                                        </p:attrNameLst>
+                                      </p:cBhvr>
+                                      <p:tavLst>
+                                        <p:tav tm="0">
+                                          <p:val>
+                                            <p:strVal val="1+#ppt_h/2"/>
+                                          </p:val>
+                                        </p:tav>
+                                        <p:tav tm="100000">
+                                          <p:val>
+                                            <p:strVal val="#ppt_y"/>
+                                          </p:val>
+                                        </p:tav>
+                                      </p:tavLst>
+                                    </p:anim>
+                                  </p:childTnLst>
+                                </p:cTn>
+                              </p:par>
+                            </p:childTnLst>
+                          </p:cTn>
+                        </p:par>
+                      </p:childTnLst>
+                    </p:cTn>
+                  </p:par>
+                </p:childTnLst>
+              </p:cTn>
+              <p:prevCondLst>
+                <p:cond evt="onPrev" delay="0">
+                  <p:tgtEl>
+                    <p:sldTgt/>
+                  </p:tgtEl>
+                </p:cond>
+              </p:prevCondLst>
+              <p:nextCondLst>
+                <p:cond evt="onNext" delay="0">
+                  <p:tgtEl>
+                    <p:sldTgt/>
+                  </p:tgtEl>
+                </p:cond>
+              </p:nextCondLst>
+            </p:seq>
+          </p:childTnLst>
+        </p:cTn>
+      </p:par>
+    </p:tnLst>
+    <p:bldLst>
+      <p:bldP spid="2" grpId="0"/>
+      <p:bldP spid="3" grpId="0"/>
+      <p:bldP spid="4" grpId="0"/>
+      <p:bldP spid="5" grpId="0"/>
+    </p:bldLst>
+  </p:timing>
 </p:sld>
 </file>
 
@@ -6050,56 +8173,118 @@
       </p:grpSpPr>
       <p:sp>
         <p:nvSpPr>
-          <p:cNvPr id="2" name="Titolo 1"/>
-          <p:cNvSpPr>
-            <a:spLocks noGrp="1"/>
-          </p:cNvSpPr>
-          <p:nvPr>
-            <p:ph type="title"/>
-          </p:nvPr>
-        </p:nvSpPr>
-        <p:spPr/>
-        <p:txBody>
-          <a:bodyPr/>
+          <p:cNvPr id="2" name="Rettangolo 1"/>
+          <p:cNvSpPr/>
+          <p:nvPr/>
+        </p:nvSpPr>
+        <p:spPr>
+          <a:xfrm>
+            <a:off x="396679" y="2050293"/>
+            <a:ext cx="8549231" cy="646331"/>
+          </a:xfrm>
+          <a:prstGeom prst="rect">
+            <a:avLst/>
+          </a:prstGeom>
+        </p:spPr>
+        <p:txBody>
+          <a:bodyPr wrap="square">
+            <a:spAutoFit/>
+          </a:bodyPr>
           <a:lstStyle/>
           <a:p>
-            <a:r>
-              <a:rPr lang="it-IT" dirty="0" err="1" smtClean="0"/>
-              <a:t>Features</a:t>
-            </a:r>
-            <a:endParaRPr lang="it-IT" dirty="0"/>
-          </a:p>
-        </p:txBody>
-      </p:sp>
-      <p:sp>
-        <p:nvSpPr>
-          <p:cNvPr id="3" name="Segnaposto contenuto 2"/>
-          <p:cNvSpPr>
-            <a:spLocks noGrp="1"/>
-          </p:cNvSpPr>
-          <p:nvPr>
-            <p:ph idx="1"/>
-          </p:nvPr>
-        </p:nvSpPr>
-        <p:spPr/>
-        <p:txBody>
-          <a:bodyPr/>
+            <a:pPr algn="ctr"/>
+            <a:r>
+              <a:rPr lang="it-IT" sz="3600" dirty="0" smtClean="0"/>
+              <a:t>Scarica </a:t>
+            </a:r>
+            <a:r>
+              <a:rPr lang="it-IT" sz="3600" dirty="0" err="1" smtClean="0"/>
+              <a:t>ScontrApp</a:t>
+            </a:r>
+            <a:endParaRPr lang="it-IT" sz="3600" dirty="0" smtClean="0"/>
+          </a:p>
+        </p:txBody>
+      </p:sp>
+      <p:sp>
+        <p:nvSpPr>
+          <p:cNvPr id="7" name="CasellaDiTesto 6"/>
+          <p:cNvSpPr txBox="1"/>
+          <p:nvPr/>
+        </p:nvSpPr>
+        <p:spPr>
+          <a:xfrm>
+            <a:off x="3009420" y="3715475"/>
+            <a:ext cx="6458673" cy="369332"/>
+          </a:xfrm>
+          <a:prstGeom prst="rect">
+            <a:avLst/>
+          </a:prstGeom>
+          <a:noFill/>
+        </p:spPr>
+        <p:txBody>
+          <a:bodyPr wrap="square" rtlCol="0">
+            <a:spAutoFit/>
+          </a:bodyPr>
           <a:lstStyle/>
           <a:p>
-            <a:endParaRPr lang="it-IT" dirty="0"/>
-          </a:p>
-        </p:txBody>
-      </p:sp>
+            <a:r>
+              <a:rPr lang="it-IT" u="sng" dirty="0" smtClean="0"/>
+              <a:t>L’applicazione che si prende cura dei vostri scontrini</a:t>
+            </a:r>
+            <a:endParaRPr lang="it-IT" u="sng" dirty="0"/>
+          </a:p>
+        </p:txBody>
+      </p:sp>
+      <p:pic>
+        <p:nvPicPr>
+          <p:cNvPr id="8" name="Immagine 7"/>
+          <p:cNvPicPr>
+            <a:picLocks noChangeAspect="1"/>
+          </p:cNvPicPr>
+          <p:nvPr/>
+        </p:nvPicPr>
+        <p:blipFill>
+          <a:blip r:embed="rId2">
+            <a:extLst>
+              <a:ext uri="{28A0092B-C50C-407E-A947-70E740481C1C}">
+                <a14:useLocalDpi xmlns:a14="http://schemas.microsoft.com/office/drawing/2010/main" val="0"/>
+              </a:ext>
+            </a:extLst>
+          </a:blip>
+          <a:stretch>
+            <a:fillRect/>
+          </a:stretch>
+        </p:blipFill>
+        <p:spPr>
+          <a:xfrm>
+            <a:off x="7605887" y="1501154"/>
+            <a:ext cx="2022929" cy="1744607"/>
+          </a:xfrm>
+          <a:prstGeom prst="rect">
+            <a:avLst/>
+          </a:prstGeom>
+          <a:effectLst>
+            <a:softEdge rad="88900"/>
+          </a:effectLst>
+        </p:spPr>
+      </p:pic>
     </p:spTree>
     <p:extLst>
       <p:ext uri="{BB962C8B-B14F-4D97-AF65-F5344CB8AC3E}">
-        <p14:creationId xmlns:p14="http://schemas.microsoft.com/office/powerpoint/2010/main" val="317984111"/>
+        <p14:creationId xmlns:p14="http://schemas.microsoft.com/office/powerpoint/2010/main" val="846125307"/>
       </p:ext>
     </p:extLst>
   </p:cSld>
   <p:clrMapOvr>
     <a:masterClrMapping/>
   </p:clrMapOvr>
+  <p:timing>
+    <p:tnLst>
+      <p:par>
+        <p:cTn id="1" dur="indefinite" restart="never" nodeType="tmRoot"/>
+      </p:par>
+    </p:tnLst>
+  </p:timing>
 </p:sld>
 </file>
 
@@ -6357,4 +8542,265 @@
     </a:ext>
   </a:extLst>
 </a:theme>
+</file>
+
+<file path=ppt/theme/theme2.xml><?xml version="1.0" encoding="utf-8"?>
+<a:theme xmlns:a="http://schemas.openxmlformats.org/drawingml/2006/main" name="Tema di Office">
+  <a:themeElements>
+    <a:clrScheme name="Office">
+      <a:dk1>
+        <a:sysClr val="windowText" lastClr="000000"/>
+      </a:dk1>
+      <a:lt1>
+        <a:sysClr val="window" lastClr="FFFFFF"/>
+      </a:lt1>
+      <a:dk2>
+        <a:srgbClr val="44546A"/>
+      </a:dk2>
+      <a:lt2>
+        <a:srgbClr val="E7E6E6"/>
+      </a:lt2>
+      <a:accent1>
+        <a:srgbClr val="5B9BD5"/>
+      </a:accent1>
+      <a:accent2>
+        <a:srgbClr val="ED7D31"/>
+      </a:accent2>
+      <a:accent3>
+        <a:srgbClr val="A5A5A5"/>
+      </a:accent3>
+      <a:accent4>
+        <a:srgbClr val="FFC000"/>
+      </a:accent4>
+      <a:accent5>
+        <a:srgbClr val="4472C4"/>
+      </a:accent5>
+      <a:accent6>
+        <a:srgbClr val="70AD47"/>
+      </a:accent6>
+      <a:hlink>
+        <a:srgbClr val="0563C1"/>
+      </a:hlink>
+      <a:folHlink>
+        <a:srgbClr val="954F72"/>
+      </a:folHlink>
+    </a:clrScheme>
+    <a:fontScheme name="Office">
+      <a:majorFont>
+        <a:latin typeface="Calibri Light" panose="020F0302020204030204"/>
+        <a:ea typeface=""/>
+        <a:cs typeface=""/>
+        <a:font script="Jpan" typeface="Yu Gothic Light"/>
+        <a:font script="Hang" typeface="맑은 고딕"/>
+        <a:font script="Hans" typeface="DengXian Light"/>
+        <a:font script="Hant" typeface="新細明體"/>
+        <a:font script="Arab" typeface="Times New Roman"/>
+        <a:font script="Hebr" typeface="Times New Roman"/>
+        <a:font script="Thai" typeface="Angsana New"/>
+        <a:font script="Ethi" typeface="Nyala"/>
+        <a:font script="Beng" typeface="Vrinda"/>
+        <a:font script="Gujr" typeface="Shruti"/>
+        <a:font script="Khmr" typeface="MoolBoran"/>
+        <a:font script="Knda" typeface="Tunga"/>
+        <a:font script="Guru" typeface="Raavi"/>
+        <a:font script="Cans" typeface="Euphemia"/>
+        <a:font script="Cher" typeface="Plantagenet Cherokee"/>
+        <a:font script="Yiii" typeface="Microsoft Yi Baiti"/>
+        <a:font script="Tibt" typeface="Microsoft Himalaya"/>
+        <a:font script="Thaa" typeface="MV Boli"/>
+        <a:font script="Deva" typeface="Mangal"/>
+        <a:font script="Telu" typeface="Gautami"/>
+        <a:font script="Taml" typeface="Latha"/>
+        <a:font script="Syrc" typeface="Estrangelo Edessa"/>
+        <a:font script="Orya" typeface="Kalinga"/>
+        <a:font script="Mlym" typeface="Kartika"/>
+        <a:font script="Laoo" typeface="DokChampa"/>
+        <a:font script="Sinh" typeface="Iskoola Pota"/>
+        <a:font script="Mong" typeface="Mongolian Baiti"/>
+        <a:font script="Viet" typeface="Times New Roman"/>
+        <a:font script="Uigh" typeface="Microsoft Uighur"/>
+        <a:font script="Geor" typeface="Sylfaen"/>
+      </a:majorFont>
+      <a:minorFont>
+        <a:latin typeface="Calibri" panose="020F0502020204030204"/>
+        <a:ea typeface=""/>
+        <a:cs typeface=""/>
+        <a:font script="Jpan" typeface="Yu Gothic"/>
+        <a:font script="Hang" typeface="맑은 고딕"/>
+        <a:font script="Hans" typeface="DengXian"/>
+        <a:font script="Hant" typeface="新細明體"/>
+        <a:font script="Arab" typeface="Arial"/>
+        <a:font script="Hebr" typeface="Arial"/>
+        <a:font script="Thai" typeface="Cordia New"/>
+        <a:font script="Ethi" typeface="Nyala"/>
+        <a:font script="Beng" typeface="Vrinda"/>
+        <a:font script="Gujr" typeface="Shruti"/>
+        <a:font script="Khmr" typeface="DaunPenh"/>
+        <a:font script="Knda" typeface="Tunga"/>
+        <a:font script="Guru" typeface="Raavi"/>
+        <a:font script="Cans" typeface="Euphemia"/>
+        <a:font script="Cher" typeface="Plantagenet Cherokee"/>
+        <a:font script="Yiii" typeface="Microsoft Yi Baiti"/>
+        <a:font script="Tibt" typeface="Microsoft Himalaya"/>
+        <a:font script="Thaa" typeface="MV Boli"/>
+        <a:font script="Deva" typeface="Mangal"/>
+        <a:font script="Telu" typeface="Gautami"/>
+        <a:font script="Taml" typeface="Latha"/>
+        <a:font script="Syrc" typeface="Estrangelo Edessa"/>
+        <a:font script="Orya" typeface="Kalinga"/>
+        <a:font script="Mlym" typeface="Kartika"/>
+        <a:font script="Laoo" typeface="DokChampa"/>
+        <a:font script="Sinh" typeface="Iskoola Pota"/>
+        <a:font script="Mong" typeface="Mongolian Baiti"/>
+        <a:font script="Viet" typeface="Arial"/>
+        <a:font script="Uigh" typeface="Microsoft Uighur"/>
+        <a:font script="Geor" typeface="Sylfaen"/>
+      </a:minorFont>
+    </a:fontScheme>
+    <a:fmtScheme name="Office">
+      <a:fillStyleLst>
+        <a:solidFill>
+          <a:schemeClr val="phClr"/>
+        </a:solidFill>
+        <a:gradFill rotWithShape="1">
+          <a:gsLst>
+            <a:gs pos="0">
+              <a:schemeClr val="phClr">
+                <a:lumMod val="110000"/>
+                <a:satMod val="105000"/>
+                <a:tint val="67000"/>
+              </a:schemeClr>
+            </a:gs>
+            <a:gs pos="50000">
+              <a:schemeClr val="phClr">
+                <a:lumMod val="105000"/>
+                <a:satMod val="103000"/>
+                <a:tint val="73000"/>
+              </a:schemeClr>
+            </a:gs>
+            <a:gs pos="100000">
+              <a:schemeClr val="phClr">
+                <a:lumMod val="105000"/>
+                <a:satMod val="109000"/>
+                <a:tint val="81000"/>
+              </a:schemeClr>
+            </a:gs>
+          </a:gsLst>
+          <a:lin ang="5400000" scaled="0"/>
+        </a:gradFill>
+        <a:gradFill rotWithShape="1">
+          <a:gsLst>
+            <a:gs pos="0">
+              <a:schemeClr val="phClr">
+                <a:satMod val="103000"/>
+                <a:lumMod val="102000"/>
+                <a:tint val="94000"/>
+              </a:schemeClr>
+            </a:gs>
+            <a:gs pos="50000">
+              <a:schemeClr val="phClr">
+                <a:satMod val="110000"/>
+                <a:lumMod val="100000"/>
+                <a:shade val="100000"/>
+              </a:schemeClr>
+            </a:gs>
+            <a:gs pos="100000">
+              <a:schemeClr val="phClr">
+                <a:lumMod val="99000"/>
+                <a:satMod val="120000"/>
+                <a:shade val="78000"/>
+              </a:schemeClr>
+            </a:gs>
+          </a:gsLst>
+          <a:lin ang="5400000" scaled="0"/>
+        </a:gradFill>
+      </a:fillStyleLst>
+      <a:lnStyleLst>
+        <a:ln w="6350" cap="flat" cmpd="sng" algn="ctr">
+          <a:solidFill>
+            <a:schemeClr val="phClr"/>
+          </a:solidFill>
+          <a:prstDash val="solid"/>
+          <a:miter lim="800000"/>
+        </a:ln>
+        <a:ln w="12700" cap="flat" cmpd="sng" algn="ctr">
+          <a:solidFill>
+            <a:schemeClr val="phClr"/>
+          </a:solidFill>
+          <a:prstDash val="solid"/>
+          <a:miter lim="800000"/>
+        </a:ln>
+        <a:ln w="19050" cap="flat" cmpd="sng" algn="ctr">
+          <a:solidFill>
+            <a:schemeClr val="phClr"/>
+          </a:solidFill>
+          <a:prstDash val="solid"/>
+          <a:miter lim="800000"/>
+        </a:ln>
+      </a:lnStyleLst>
+      <a:effectStyleLst>
+        <a:effectStyle>
+          <a:effectLst/>
+        </a:effectStyle>
+        <a:effectStyle>
+          <a:effectLst/>
+        </a:effectStyle>
+        <a:effectStyle>
+          <a:effectLst>
+            <a:outerShdw blurRad="57150" dist="19050" dir="5400000" algn="ctr" rotWithShape="0">
+              <a:srgbClr val="000000">
+                <a:alpha val="63000"/>
+              </a:srgbClr>
+            </a:outerShdw>
+          </a:effectLst>
+        </a:effectStyle>
+      </a:effectStyleLst>
+      <a:bgFillStyleLst>
+        <a:solidFill>
+          <a:schemeClr val="phClr"/>
+        </a:solidFill>
+        <a:solidFill>
+          <a:schemeClr val="phClr">
+            <a:tint val="95000"/>
+            <a:satMod val="170000"/>
+          </a:schemeClr>
+        </a:solidFill>
+        <a:gradFill rotWithShape="1">
+          <a:gsLst>
+            <a:gs pos="0">
+              <a:schemeClr val="phClr">
+                <a:tint val="93000"/>
+                <a:satMod val="150000"/>
+                <a:shade val="98000"/>
+                <a:lumMod val="102000"/>
+              </a:schemeClr>
+            </a:gs>
+            <a:gs pos="50000">
+              <a:schemeClr val="phClr">
+                <a:tint val="98000"/>
+                <a:satMod val="130000"/>
+                <a:shade val="90000"/>
+                <a:lumMod val="103000"/>
+              </a:schemeClr>
+            </a:gs>
+            <a:gs pos="100000">
+              <a:schemeClr val="phClr">
+                <a:shade val="63000"/>
+                <a:satMod val="120000"/>
+              </a:schemeClr>
+            </a:gs>
+          </a:gsLst>
+          <a:lin ang="5400000" scaled="0"/>
+        </a:gradFill>
+      </a:bgFillStyleLst>
+    </a:fmtScheme>
+  </a:themeElements>
+  <a:objectDefaults/>
+  <a:extraClrSchemeLst/>
+  <a:extLst>
+    <a:ext uri="{05A4C25C-085E-4340-85A3-A5531E510DB2}">
+      <thm15:themeFamily xmlns:thm15="http://schemas.microsoft.com/office/thememl/2012/main" name="Office Theme" id="{62F939B6-93AF-4DB8-9C6B-D6C7DFDC589F}" vid="{4A3C46E8-61CC-4603-A589-7422A47A8E4A}"/>
+    </a:ext>
+  </a:extLst>
+</a:theme>
 </file>